--- a/SEM 8 Major Project/Review 1/NW000156, 1st Review.pptx
+++ b/SEM 8 Major Project/Review 1/NW000156, 1st Review.pptx
@@ -5,16 +5,18 @@
     <p:sldMasterId id="2147483648" r:id="rId1"/>
   </p:sldMasterIdLst>
   <p:notesMasterIdLst>
-    <p:notesMasterId r:id="rId9"/>
+    <p:notesMasterId r:id="rId11"/>
   </p:notesMasterIdLst>
   <p:sldIdLst>
     <p:sldId id="256" r:id="rId2"/>
     <p:sldId id="257" r:id="rId3"/>
     <p:sldId id="258" r:id="rId4"/>
-    <p:sldId id="263" r:id="rId5"/>
-    <p:sldId id="260" r:id="rId6"/>
-    <p:sldId id="261" r:id="rId7"/>
-    <p:sldId id="262" r:id="rId8"/>
+    <p:sldId id="265" r:id="rId5"/>
+    <p:sldId id="263" r:id="rId6"/>
+    <p:sldId id="260" r:id="rId7"/>
+    <p:sldId id="261" r:id="rId8"/>
+    <p:sldId id="262" r:id="rId9"/>
+    <p:sldId id="264" r:id="rId10"/>
   </p:sldIdLst>
   <p:sldSz cx="12192000" cy="6858000"/>
   <p:notesSz cx="6858000" cy="9144000"/>
@@ -263,7 +265,7 @@
       </p15:sldGuideLst>
     </p:ext>
     <p:ext uri="GoogleSlidesCustomDataVersion2">
-      <go:slidesCustomData xmlns="" xmlns:mc="http://schemas.openxmlformats.org/markup-compatibility/2006" xmlns:mv="urn:schemas-microsoft-com:mac:vml" xmlns:c="http://schemas.openxmlformats.org/drawingml/2006/chart" xmlns:dgm="http://schemas.openxmlformats.org/drawingml/2006/diagram" xmlns:o="urn:schemas-microsoft-com:office:office" xmlns:v="urn:schemas-microsoft-com:vml" xmlns:pvml="urn:schemas-microsoft-com:office:powerpoint" xmlns:com="http://schemas.openxmlformats.org/drawingml/2006/compatibility" xmlns:p14="http://schemas.microsoft.com/office/powerpoint/2010/main" xmlns:p15="http://schemas.microsoft.com/office/powerpoint/2012/main" xmlns:ahyp="http://schemas.microsoft.com/office/drawing/2018/hyperlinkcolor" xmlns:go="http://customooxmlschemas.google.com/" r:id="rId14" roundtripDataSignature="AMtx7mguQbOaphgLGbh0f1Vv/Ze8Mut13Q=="/>
+      <go:slidesCustomData xmlns:go="http://customooxmlschemas.google.com/" xmlns:ahyp="http://schemas.microsoft.com/office/drawing/2018/hyperlinkcolor" xmlns:p15="http://schemas.microsoft.com/office/powerpoint/2012/main" xmlns:p14="http://schemas.microsoft.com/office/powerpoint/2010/main" xmlns:com="http://schemas.openxmlformats.org/drawingml/2006/compatibility" xmlns:pvml="urn:schemas-microsoft-com:office:powerpoint" xmlns:v="urn:schemas-microsoft-com:vml" xmlns:o="urn:schemas-microsoft-com:office:office" xmlns:dgm="http://schemas.openxmlformats.org/drawingml/2006/diagram" xmlns:c="http://schemas.openxmlformats.org/drawingml/2006/chart" xmlns:mv="urn:schemas-microsoft-com:mac:vml" xmlns:mc="http://schemas.openxmlformats.org/markup-compatibility/2006" xmlns="" r:id="rId14" roundtripDataSignature="AMtx7mguQbOaphgLGbh0f1Vv/Ze8Mut13Q=="/>
     </p:ext>
   </p:extLst>
 </p:presentation>
@@ -16468,18 +16470,24 @@
       </p:sp>
       <p:sp>
         <p:nvSpPr>
-          <p:cNvPr id="96" name="Google Shape;96;p2"/>
-          <p:cNvSpPr txBox="1">
-            <a:spLocks noGrp="1"/>
+          <p:cNvPr id="9" name="Text Placeholder 8">
+            <a:extLst>
+              <a:ext uri="{FF2B5EF4-FFF2-40B4-BE49-F238E27FC236}">
+                <a16:creationId xmlns:a16="http://schemas.microsoft.com/office/drawing/2014/main" id="{15949FE1-DD63-2152-B7A0-63FAFFF1D3DB}"/>
+              </a:ext>
+            </a:extLst>
+          </p:cNvPr>
+          <p:cNvSpPr>
+            <a:spLocks noGrp="1" noChangeArrowheads="1"/>
           </p:cNvSpPr>
           <p:nvPr>
             <p:ph type="body" idx="1"/>
           </p:nvPr>
         </p:nvSpPr>
-        <p:spPr>
+        <p:spPr bwMode="auto">
           <a:xfrm>
-            <a:off x="152400" y="1371267"/>
-            <a:ext cx="11887200" cy="5110200"/>
+            <a:off x="302755" y="1396485"/>
+            <a:ext cx="11586490" cy="5078313"/>
           </a:xfrm>
           <a:prstGeom prst="rect">
             <a:avLst/>
@@ -16488,166 +16496,188 @@
           <a:ln>
             <a:noFill/>
           </a:ln>
+          <a:effectLst/>
+          <a:extLst>
+            <a:ext uri="{909E8E84-426E-40DD-AFC4-6F175D3DCCD1}">
+              <a14:hiddenFill xmlns:a14="http://schemas.microsoft.com/office/drawing/2010/main">
+                <a:solidFill>
+                  <a:schemeClr val="accent1"/>
+                </a:solidFill>
+              </a14:hiddenFill>
+            </a:ext>
+            <a:ext uri="{91240B29-F687-4F45-9708-019B960494DF}">
+              <a14:hiddenLine xmlns:a14="http://schemas.microsoft.com/office/drawing/2010/main" w="9525">
+                <a:solidFill>
+                  <a:schemeClr val="tx1"/>
+                </a:solidFill>
+                <a:miter lim="800000"/>
+                <a:headEnd/>
+                <a:tailEnd/>
+              </a14:hiddenLine>
+            </a:ext>
+            <a:ext uri="{AF507438-7753-43E0-B8FC-AC1667EBCBE1}">
+              <a14:hiddenEffects xmlns:a14="http://schemas.microsoft.com/office/drawing/2010/main">
+                <a:effectLst>
+                  <a:outerShdw dist="35921" dir="2700000" algn="ctr" rotWithShape="0">
+                    <a:schemeClr val="bg2"/>
+                  </a:outerShdw>
+                </a:effectLst>
+              </a14:hiddenEffects>
+            </a:ext>
+          </a:extLst>
         </p:spPr>
         <p:txBody>
-          <a:bodyPr spcFirstLastPara="1" wrap="square" lIns="91425" tIns="45700" rIns="91425" bIns="45700" anchor="ctr" anchorCtr="0">
+          <a:bodyPr vert="horz" wrap="square" lIns="91440" tIns="45720" rIns="91440" bIns="45720" numCol="1" anchor="ctr" anchorCtr="0" compatLnSpc="1">
+            <a:prstTxWarp prst="textNoShape">
+              <a:avLst/>
+            </a:prstTxWarp>
             <a:spAutoFit/>
           </a:bodyPr>
           <a:lstStyle/>
           <a:p>
-            <a:pPr marL="457200" lvl="0" indent="-393700" algn="just" rtl="0">
+            <a:pPr marL="342900" algn="just" eaLnBrk="0" fontAlgn="base" hangingPunct="0">
               <a:lnSpc>
                 <a:spcPct val="150000"/>
               </a:lnSpc>
               <a:spcBef>
-                <a:spcPts val="0"/>
-              </a:spcBef>
-              <a:spcAft>
-                <a:spcPts val="0"/>
-              </a:spcAft>
-              <a:buSzPts val="2600"/>
-              <a:buFont typeface="Times New Roman"/>
-              <a:buChar char="•"/>
+                <a:spcPct val="0"/>
+              </a:spcBef>
+              <a:spcAft>
+                <a:spcPct val="0"/>
+              </a:spcAft>
+              <a:buClrTx/>
+              <a:buSzTx/>
             </a:pPr>
             <a:r>
-              <a:rPr lang="en-US" sz="2400" dirty="0">
-                <a:latin typeface="Times New Roman"/>
-                <a:ea typeface="Times New Roman"/>
-                <a:cs typeface="Times New Roman"/>
-                <a:sym typeface="Times New Roman"/>
+              <a:rPr kumimoji="0" lang="en-US" altLang="en-US" sz="2400" b="0" i="0" u="none" strike="noStrike" cap="none" normalizeH="0" baseline="0" dirty="0">
+                <a:ln>
+                  <a:noFill/>
+                </a:ln>
+                <a:solidFill>
+                  <a:schemeClr val="tx1"/>
+                </a:solidFill>
+                <a:effectLst/>
+                <a:latin typeface="Times New Roman" panose="02020603050405020304" pitchFamily="18" charset="0"/>
+                <a:cs typeface="Times New Roman" panose="02020603050405020304" pitchFamily="18" charset="0"/>
               </a:rPr>
-              <a:t>Increasing cloud adoption heightens the risk of DDoS attacks, threatening service availability and data security.</a:t>
+              <a:t>Increasing cloud adoption raises DDoS risks, threatening service availability and data security.</a:t>
             </a:r>
-            <a:endParaRPr sz="2400" dirty="0">
-              <a:latin typeface="Times New Roman"/>
-              <a:ea typeface="Times New Roman"/>
-              <a:cs typeface="Times New Roman"/>
-              <a:sym typeface="Times New Roman"/>
-            </a:endParaRPr>
           </a:p>
           <a:p>
-            <a:pPr marL="457200" lvl="0" indent="-393700" algn="just" rtl="0">
+            <a:pPr marL="342900" algn="just" eaLnBrk="0" fontAlgn="base" hangingPunct="0">
               <a:lnSpc>
                 <a:spcPct val="150000"/>
               </a:lnSpc>
               <a:spcBef>
-                <a:spcPts val="0"/>
-              </a:spcBef>
-              <a:spcAft>
-                <a:spcPts val="0"/>
-              </a:spcAft>
-              <a:buSzPts val="2600"/>
-              <a:buFont typeface="Times New Roman"/>
-              <a:buChar char="•"/>
+                <a:spcPct val="0"/>
+              </a:spcBef>
+              <a:spcAft>
+                <a:spcPct val="0"/>
+              </a:spcAft>
+              <a:buClrTx/>
+              <a:buSzTx/>
             </a:pPr>
             <a:r>
-              <a:rPr lang="en-US" sz="2400" dirty="0">
-                <a:latin typeface="Times New Roman"/>
-                <a:ea typeface="Times New Roman"/>
-                <a:cs typeface="Times New Roman"/>
-                <a:sym typeface="Times New Roman"/>
+              <a:rPr kumimoji="0" lang="en-US" altLang="en-US" sz="2400" b="0" i="0" u="none" strike="noStrike" cap="none" normalizeH="0" baseline="0" dirty="0">
+                <a:ln>
+                  <a:noFill/>
+                </a:ln>
+                <a:solidFill>
+                  <a:schemeClr val="tx1"/>
+                </a:solidFill>
+                <a:effectLst/>
+                <a:latin typeface="Times New Roman" panose="02020603050405020304" pitchFamily="18" charset="0"/>
+                <a:cs typeface="Times New Roman" panose="02020603050405020304" pitchFamily="18" charset="0"/>
               </a:rPr>
-              <a:t>We propose a scalable DDoS Protection System designed for real-time detection and mitigation in cloud environments.</a:t>
+              <a:t>To address this, we propose a scalable system for real-time DDoS detection and mitigation.</a:t>
             </a:r>
-            <a:endParaRPr sz="2400" dirty="0">
-              <a:latin typeface="Times New Roman"/>
-              <a:ea typeface="Times New Roman"/>
-              <a:cs typeface="Times New Roman"/>
-              <a:sym typeface="Times New Roman"/>
-            </a:endParaRPr>
           </a:p>
           <a:p>
-            <a:pPr marL="457200" lvl="0" indent="-393700" algn="just" rtl="0">
+            <a:pPr marL="342900" algn="just" eaLnBrk="0" fontAlgn="base" hangingPunct="0">
               <a:lnSpc>
                 <a:spcPct val="150000"/>
               </a:lnSpc>
               <a:spcBef>
-                <a:spcPts val="0"/>
-              </a:spcBef>
-              <a:spcAft>
-                <a:spcPts val="0"/>
-              </a:spcAft>
-              <a:buSzPts val="2600"/>
-              <a:buFont typeface="Times New Roman"/>
-              <a:buChar char="•"/>
+                <a:spcPct val="0"/>
+              </a:spcBef>
+              <a:spcAft>
+                <a:spcPct val="0"/>
+              </a:spcAft>
+              <a:buClrTx/>
+              <a:buSzTx/>
             </a:pPr>
             <a:r>
-              <a:rPr lang="en-US" sz="2400" dirty="0">
-                <a:latin typeface="Times New Roman"/>
-                <a:ea typeface="Times New Roman"/>
-                <a:cs typeface="Times New Roman"/>
-                <a:sym typeface="Times New Roman"/>
+              <a:rPr kumimoji="0" lang="en-US" altLang="en-US" sz="2400" b="0" i="0" u="none" strike="noStrike" cap="none" normalizeH="0" baseline="0" dirty="0">
+                <a:ln>
+                  <a:noFill/>
+                </a:ln>
+                <a:solidFill>
+                  <a:schemeClr val="tx1"/>
+                </a:solidFill>
+                <a:effectLst/>
+                <a:latin typeface="Times New Roman" panose="02020603050405020304" pitchFamily="18" charset="0"/>
+                <a:cs typeface="Times New Roman" panose="02020603050405020304" pitchFamily="18" charset="0"/>
               </a:rPr>
-              <a:t>Utilizes a multi-layered architecture with machine learning to distinguish between malicious and legitimate traffic patterns.</a:t>
+              <a:t>The system leverages machine learning to distinguish malicious traffic from legitimate activity.</a:t>
             </a:r>
-            <a:endParaRPr sz="2400" dirty="0">
-              <a:latin typeface="Times New Roman"/>
-              <a:ea typeface="Times New Roman"/>
-              <a:cs typeface="Times New Roman"/>
-              <a:sym typeface="Times New Roman"/>
-            </a:endParaRPr>
           </a:p>
           <a:p>
-            <a:pPr marL="457200" lvl="0" indent="-393700" algn="just" rtl="0">
+            <a:pPr marL="342900" algn="just" eaLnBrk="0" fontAlgn="base" hangingPunct="0">
               <a:lnSpc>
                 <a:spcPct val="150000"/>
               </a:lnSpc>
               <a:spcBef>
-                <a:spcPts val="0"/>
-              </a:spcBef>
-              <a:spcAft>
-                <a:spcPts val="0"/>
-              </a:spcAft>
-              <a:buSzPts val="2600"/>
-              <a:buFont typeface="Times New Roman"/>
-              <a:buChar char="•"/>
+                <a:spcPct val="0"/>
+              </a:spcBef>
+              <a:spcAft>
+                <a:spcPct val="0"/>
+              </a:spcAft>
+              <a:buClrTx/>
+              <a:buSzTx/>
             </a:pPr>
             <a:r>
-              <a:rPr lang="en-US" sz="2400" dirty="0">
-                <a:latin typeface="Times New Roman"/>
-                <a:ea typeface="Times New Roman"/>
-                <a:cs typeface="Times New Roman"/>
-                <a:sym typeface="Times New Roman"/>
+              <a:rPr kumimoji="0" lang="en-US" altLang="en-US" sz="2400" b="0" i="0" u="none" strike="noStrike" cap="none" normalizeH="0" baseline="0" dirty="0">
+                <a:ln>
+                  <a:noFill/>
+                </a:ln>
+                <a:solidFill>
+                  <a:schemeClr val="tx1"/>
+                </a:solidFill>
+                <a:effectLst/>
+                <a:latin typeface="Times New Roman" panose="02020603050405020304" pitchFamily="18" charset="0"/>
+                <a:cs typeface="Times New Roman" panose="02020603050405020304" pitchFamily="18" charset="0"/>
               </a:rPr>
-              <a:t>Ensures seamless integration across various cloud platforms while maintaining performance and minimizing false positives.</a:t>
+              <a:t>It integrates seamlessly across cloud platforms, ensuring high performance and minimal false positives.</a:t>
             </a:r>
-            <a:endParaRPr sz="2400" dirty="0">
-              <a:latin typeface="Times New Roman"/>
-              <a:ea typeface="Times New Roman"/>
-              <a:cs typeface="Times New Roman"/>
-              <a:sym typeface="Times New Roman"/>
-            </a:endParaRPr>
           </a:p>
           <a:p>
-            <a:pPr marL="457200" lvl="0" indent="-393700" algn="just" rtl="0">
+            <a:pPr marL="342900" algn="just" eaLnBrk="0" fontAlgn="base" hangingPunct="0">
               <a:lnSpc>
                 <a:spcPct val="150000"/>
               </a:lnSpc>
               <a:spcBef>
-                <a:spcPts val="0"/>
-              </a:spcBef>
-              <a:spcAft>
-                <a:spcPts val="0"/>
-              </a:spcAft>
-              <a:buSzPts val="2600"/>
-              <a:buFont typeface="Times New Roman"/>
-              <a:buChar char="•"/>
+                <a:spcPct val="0"/>
+              </a:spcBef>
+              <a:spcAft>
+                <a:spcPct val="0"/>
+              </a:spcAft>
+              <a:buClrTx/>
+              <a:buSzTx/>
             </a:pPr>
             <a:r>
-              <a:rPr lang="en-US" sz="2400" dirty="0">
-                <a:latin typeface="Times New Roman"/>
-                <a:ea typeface="Times New Roman"/>
-                <a:cs typeface="Times New Roman"/>
-                <a:sym typeface="Times New Roman"/>
+              <a:rPr kumimoji="0" lang="en-US" altLang="en-US" sz="2400" b="0" i="0" u="none" strike="noStrike" cap="none" normalizeH="0" baseline="0" dirty="0">
+                <a:ln>
+                  <a:noFill/>
+                </a:ln>
+                <a:solidFill>
+                  <a:schemeClr val="tx1"/>
+                </a:solidFill>
+                <a:effectLst/>
+                <a:latin typeface="Times New Roman" panose="02020603050405020304" pitchFamily="18" charset="0"/>
+                <a:cs typeface="Times New Roman" panose="02020603050405020304" pitchFamily="18" charset="0"/>
               </a:rPr>
-              <a:t>Aligns with industry security standards to safeguard data integrity and service continuity.</a:t>
+              <a:t>By aligning with industry standards, it safeguards data integrity and service continuity </a:t>
             </a:r>
-            <a:endParaRPr sz="2400" dirty="0">
-              <a:latin typeface="Times New Roman"/>
-              <a:ea typeface="Times New Roman"/>
-              <a:cs typeface="Times New Roman"/>
-              <a:sym typeface="Times New Roman"/>
-            </a:endParaRPr>
           </a:p>
         </p:txBody>
       </p:sp>
@@ -16688,7 +16718,7 @@
         </p:nvSpPr>
         <p:spPr>
           <a:xfrm>
-            <a:off x="3844528" y="407195"/>
+            <a:off x="3844528" y="209605"/>
             <a:ext cx="4502944" cy="711200"/>
           </a:xfrm>
           <a:prstGeom prst="rect">
@@ -16723,7 +16753,7 @@
               <a:buNone/>
             </a:pPr>
             <a:r>
-              <a:rPr lang="en-US">
+              <a:rPr lang="en-US" dirty="0">
                 <a:latin typeface="Times New Roman"/>
                 <a:ea typeface="Times New Roman"/>
                 <a:cs typeface="Times New Roman"/>
@@ -16731,7 +16761,7 @@
               </a:rPr>
               <a:t>Introduction</a:t>
             </a:r>
-            <a:endParaRPr>
+            <a:endParaRPr dirty="0">
               <a:latin typeface="Times New Roman"/>
               <a:ea typeface="Times New Roman"/>
               <a:cs typeface="Times New Roman"/>
@@ -16742,18 +16772,24 @@
       </p:sp>
       <p:sp>
         <p:nvSpPr>
-          <p:cNvPr id="102" name="Google Shape;102;p3"/>
-          <p:cNvSpPr txBox="1">
-            <a:spLocks noGrp="1"/>
+          <p:cNvPr id="4" name="Text Placeholder 3">
+            <a:extLst>
+              <a:ext uri="{FF2B5EF4-FFF2-40B4-BE49-F238E27FC236}">
+                <a16:creationId xmlns:a16="http://schemas.microsoft.com/office/drawing/2014/main" id="{A12BDB62-930C-0333-CB62-4B6E342C2A65}"/>
+              </a:ext>
+            </a:extLst>
+          </p:cNvPr>
+          <p:cNvSpPr>
+            <a:spLocks noGrp="1" noChangeArrowheads="1"/>
           </p:cNvSpPr>
           <p:nvPr>
             <p:ph type="body" idx="1"/>
           </p:nvPr>
         </p:nvSpPr>
-        <p:spPr>
+        <p:spPr bwMode="auto">
           <a:xfrm>
-            <a:off x="311525" y="1440035"/>
-            <a:ext cx="11536500" cy="4924385"/>
+            <a:off x="511409" y="1018862"/>
+            <a:ext cx="11271464" cy="5678478"/>
           </a:xfrm>
           <a:prstGeom prst="rect">
             <a:avLst/>
@@ -16762,250 +16798,358 @@
           <a:ln>
             <a:noFill/>
           </a:ln>
+          <a:effectLst/>
+          <a:extLst>
+            <a:ext uri="{909E8E84-426E-40DD-AFC4-6F175D3DCCD1}">
+              <a14:hiddenFill xmlns:a14="http://schemas.microsoft.com/office/drawing/2010/main">
+                <a:solidFill>
+                  <a:schemeClr val="accent1"/>
+                </a:solidFill>
+              </a14:hiddenFill>
+            </a:ext>
+            <a:ext uri="{91240B29-F687-4F45-9708-019B960494DF}">
+              <a14:hiddenLine xmlns:a14="http://schemas.microsoft.com/office/drawing/2010/main" w="9525">
+                <a:solidFill>
+                  <a:schemeClr val="tx1"/>
+                </a:solidFill>
+                <a:miter lim="800000"/>
+                <a:headEnd/>
+                <a:tailEnd/>
+              </a14:hiddenLine>
+            </a:ext>
+            <a:ext uri="{AF507438-7753-43E0-B8FC-AC1667EBCBE1}">
+              <a14:hiddenEffects xmlns:a14="http://schemas.microsoft.com/office/drawing/2010/main">
+                <a:effectLst>
+                  <a:outerShdw dist="35921" dir="2700000" algn="ctr" rotWithShape="0">
+                    <a:schemeClr val="bg2"/>
+                  </a:outerShdw>
+                </a:effectLst>
+              </a14:hiddenEffects>
+            </a:ext>
+          </a:extLst>
         </p:spPr>
         <p:txBody>
-          <a:bodyPr spcFirstLastPara="1" wrap="square" lIns="91425" tIns="45700" rIns="91425" bIns="45700" anchor="ctr" anchorCtr="0">
+          <a:bodyPr vert="horz" wrap="square" lIns="91440" tIns="45720" rIns="91440" bIns="45720" numCol="1" anchor="ctr" anchorCtr="0" compatLnSpc="1">
+            <a:prstTxWarp prst="textNoShape">
+              <a:avLst/>
+            </a:prstTxWarp>
             <a:spAutoFit/>
           </a:bodyPr>
           <a:lstStyle/>
           <a:p>
-            <a:pPr marL="101600" lvl="0" indent="0" algn="just" rtl="0">
-              <a:lnSpc>
-                <a:spcPct val="100000"/>
-              </a:lnSpc>
-              <a:spcBef>
-                <a:spcPts val="0"/>
-              </a:spcBef>
-              <a:spcAft>
-                <a:spcPts val="600"/>
-              </a:spcAft>
-              <a:buSzPts val="2000"/>
+            <a:pPr marL="0" indent="0" algn="just" eaLnBrk="0" fontAlgn="base" hangingPunct="0">
+              <a:lnSpc>
+                <a:spcPct val="150000"/>
+              </a:lnSpc>
+              <a:spcBef>
+                <a:spcPct val="0"/>
+              </a:spcBef>
+              <a:spcAft>
+                <a:spcPct val="0"/>
+              </a:spcAft>
+              <a:buClrTx/>
+              <a:buSzTx/>
               <a:buNone/>
             </a:pPr>
             <a:r>
-              <a:rPr lang="en-US" sz="2200" b="1" dirty="0">
-                <a:latin typeface="Times New Roman"/>
-                <a:ea typeface="Times New Roman"/>
-                <a:cs typeface="Times New Roman"/>
-                <a:sym typeface="Times New Roman"/>
+              <a:rPr kumimoji="0" lang="en-US" altLang="en-US" sz="2200" b="1" i="0" u="none" strike="noStrike" cap="none" normalizeH="0" baseline="0" dirty="0">
+                <a:ln>
+                  <a:noFill/>
+                </a:ln>
+                <a:solidFill>
+                  <a:schemeClr val="tx1"/>
+                </a:solidFill>
+                <a:effectLst/>
+                <a:latin typeface="Times New Roman" panose="02020603050405020304" pitchFamily="18" charset="0"/>
+                <a:cs typeface="Times New Roman" panose="02020603050405020304" pitchFamily="18" charset="0"/>
               </a:rPr>
-              <a:t>Proposed Solution:</a:t>
+              <a:t>Proposed Solution: </a:t>
             </a:r>
           </a:p>
           <a:p>
-            <a:pPr marL="901700" lvl="1" algn="just">
-              <a:lnSpc>
-                <a:spcPct val="100000"/>
-              </a:lnSpc>
-              <a:spcBef>
-                <a:spcPts val="0"/>
-              </a:spcBef>
-              <a:spcAft>
-                <a:spcPts val="600"/>
-              </a:spcAft>
-              <a:buSzPts val="2000"/>
+            <a:pPr marL="800100" lvl="1" algn="just" eaLnBrk="0" fontAlgn="base" hangingPunct="0">
+              <a:lnSpc>
+                <a:spcPct val="150000"/>
+              </a:lnSpc>
+              <a:spcBef>
+                <a:spcPct val="0"/>
+              </a:spcBef>
+              <a:spcAft>
+                <a:spcPct val="0"/>
+              </a:spcAft>
+              <a:buClrTx/>
+              <a:buSzTx/>
             </a:pPr>
             <a:r>
-              <a:rPr lang="en-US" sz="2200" dirty="0">
-                <a:latin typeface="Times New Roman"/>
-                <a:ea typeface="Times New Roman"/>
-                <a:cs typeface="Times New Roman"/>
-                <a:sym typeface="Times New Roman"/>
+              <a:rPr kumimoji="0" lang="en-US" altLang="en-US" sz="2200" b="0" i="0" u="none" strike="noStrike" cap="none" normalizeH="0" baseline="0" dirty="0">
+                <a:ln>
+                  <a:noFill/>
+                </a:ln>
+                <a:solidFill>
+                  <a:schemeClr val="tx1"/>
+                </a:solidFill>
+                <a:effectLst/>
+                <a:latin typeface="Times New Roman" panose="02020603050405020304" pitchFamily="18" charset="0"/>
+                <a:cs typeface="Times New Roman" panose="02020603050405020304" pitchFamily="18" charset="0"/>
               </a:rPr>
-              <a:t>Cloud-native DDoS Protection System using machine learning for real-time anomaly detection and automated traffic filtering.</a:t>
+              <a:t>A cloud-native DDoS Protection System using machine learning for real-time anomaly detection and traffic filtering. </a:t>
             </a:r>
           </a:p>
           <a:p>
-            <a:pPr marL="901700" lvl="1" algn="just">
-              <a:lnSpc>
-                <a:spcPct val="100000"/>
-              </a:lnSpc>
-              <a:spcBef>
-                <a:spcPts val="0"/>
-              </a:spcBef>
-              <a:spcAft>
-                <a:spcPts val="600"/>
-              </a:spcAft>
-              <a:buSzPts val="2000"/>
+            <a:pPr marL="800100" lvl="1" algn="just" eaLnBrk="0" fontAlgn="base" hangingPunct="0">
+              <a:lnSpc>
+                <a:spcPct val="150000"/>
+              </a:lnSpc>
+              <a:spcBef>
+                <a:spcPct val="0"/>
+              </a:spcBef>
+              <a:spcAft>
+                <a:spcPct val="0"/>
+              </a:spcAft>
+              <a:buClrTx/>
+              <a:buSzTx/>
             </a:pPr>
             <a:r>
-              <a:rPr lang="en-US" sz="2200" dirty="0">
-                <a:latin typeface="Times New Roman"/>
-                <a:ea typeface="Times New Roman"/>
-                <a:cs typeface="Times New Roman"/>
-                <a:sym typeface="Times New Roman"/>
+              <a:rPr kumimoji="0" lang="en-US" altLang="en-US" sz="2200" b="0" i="0" u="none" strike="noStrike" cap="none" normalizeH="0" baseline="0" dirty="0">
+                <a:ln>
+                  <a:noFill/>
+                </a:ln>
+                <a:solidFill>
+                  <a:schemeClr val="tx1"/>
+                </a:solidFill>
+                <a:effectLst/>
+                <a:latin typeface="Times New Roman" panose="02020603050405020304" pitchFamily="18" charset="0"/>
+                <a:cs typeface="Times New Roman" panose="02020603050405020304" pitchFamily="18" charset="0"/>
               </a:rPr>
-              <a:t>Differentiates between malicious and legitimate traffic to ensure continuous service.</a:t>
+              <a:t>Differentiates malicious traffic from legitimate activity to ensure uninterrupted service. </a:t>
+            </a:r>
+            <a:endParaRPr kumimoji="0" lang="en-US" altLang="en-US" sz="2200" b="1" i="0" u="none" strike="noStrike" cap="none" normalizeH="0" baseline="0" dirty="0">
+              <a:ln>
+                <a:noFill/>
+              </a:ln>
+              <a:solidFill>
+                <a:schemeClr val="tx1"/>
+              </a:solidFill>
+              <a:effectLst/>
+              <a:latin typeface="Times New Roman" panose="02020603050405020304" pitchFamily="18" charset="0"/>
+              <a:cs typeface="Times New Roman" panose="02020603050405020304" pitchFamily="18" charset="0"/>
+            </a:endParaRPr>
+          </a:p>
+          <a:p>
+            <a:pPr marL="0" indent="0" algn="just" eaLnBrk="0" fontAlgn="base" hangingPunct="0">
+              <a:lnSpc>
+                <a:spcPct val="150000"/>
+              </a:lnSpc>
+              <a:spcBef>
+                <a:spcPct val="0"/>
+              </a:spcBef>
+              <a:spcAft>
+                <a:spcPct val="0"/>
+              </a:spcAft>
+              <a:buClrTx/>
+              <a:buSzTx/>
+              <a:buNone/>
+            </a:pPr>
+            <a:r>
+              <a:rPr kumimoji="0" lang="en-US" altLang="en-US" sz="2200" b="1" i="0" u="none" strike="noStrike" cap="none" normalizeH="0" baseline="0" dirty="0">
+                <a:ln>
+                  <a:noFill/>
+                </a:ln>
+                <a:solidFill>
+                  <a:schemeClr val="tx1"/>
+                </a:solidFill>
+                <a:effectLst/>
+                <a:latin typeface="Times New Roman" panose="02020603050405020304" pitchFamily="18" charset="0"/>
+                <a:cs typeface="Times New Roman" panose="02020603050405020304" pitchFamily="18" charset="0"/>
+              </a:rPr>
+              <a:t>Key Features: </a:t>
             </a:r>
           </a:p>
           <a:p>
-            <a:pPr marL="101600" indent="0" algn="just">
-              <a:lnSpc>
-                <a:spcPct val="100000"/>
-              </a:lnSpc>
-              <a:spcBef>
-                <a:spcPts val="0"/>
-              </a:spcBef>
-              <a:spcAft>
-                <a:spcPts val="600"/>
-              </a:spcAft>
-              <a:buSzPts val="2000"/>
-              <a:buNone/>
+            <a:pPr marL="800100" lvl="1" algn="just" eaLnBrk="0" fontAlgn="base" hangingPunct="0">
+              <a:lnSpc>
+                <a:spcPct val="150000"/>
+              </a:lnSpc>
+              <a:spcBef>
+                <a:spcPct val="0"/>
+              </a:spcBef>
+              <a:spcAft>
+                <a:spcPct val="0"/>
+              </a:spcAft>
+              <a:buClrTx/>
+              <a:buSzTx/>
             </a:pPr>
             <a:r>
-              <a:rPr lang="en-US" sz="2200" b="1" dirty="0">
-                <a:latin typeface="Times New Roman"/>
-                <a:ea typeface="Times New Roman"/>
-                <a:cs typeface="Times New Roman"/>
-                <a:sym typeface="Times New Roman"/>
+              <a:rPr kumimoji="0" lang="en-US" altLang="en-US" sz="2200" b="0" i="0" u="none" strike="noStrike" cap="none" normalizeH="0" baseline="0" dirty="0">
+                <a:ln>
+                  <a:noFill/>
+                </a:ln>
+                <a:solidFill>
+                  <a:schemeClr val="tx1"/>
+                </a:solidFill>
+                <a:effectLst/>
+                <a:latin typeface="Times New Roman" panose="02020603050405020304" pitchFamily="18" charset="0"/>
+                <a:cs typeface="Times New Roman" panose="02020603050405020304" pitchFamily="18" charset="0"/>
               </a:rPr>
-              <a:t>Key Features:</a:t>
+              <a:t>Scalable and adaptable to various cloud architectures. </a:t>
             </a:r>
           </a:p>
           <a:p>
-            <a:pPr marL="901700" lvl="1" algn="just">
-              <a:lnSpc>
-                <a:spcPct val="100000"/>
-              </a:lnSpc>
-              <a:spcBef>
-                <a:spcPts val="0"/>
-              </a:spcBef>
-              <a:spcAft>
-                <a:spcPts val="600"/>
-              </a:spcAft>
-              <a:buSzPts val="2000"/>
+            <a:pPr marL="800100" lvl="1" algn="just" eaLnBrk="0" fontAlgn="base" hangingPunct="0">
+              <a:lnSpc>
+                <a:spcPct val="150000"/>
+              </a:lnSpc>
+              <a:spcBef>
+                <a:spcPct val="0"/>
+              </a:spcBef>
+              <a:spcAft>
+                <a:spcPct val="0"/>
+              </a:spcAft>
+              <a:buClrTx/>
+              <a:buSzTx/>
             </a:pPr>
             <a:r>
-              <a:rPr lang="en-US" sz="2200" dirty="0">
-                <a:latin typeface="Times New Roman"/>
-                <a:ea typeface="Times New Roman"/>
-                <a:cs typeface="Times New Roman"/>
-                <a:sym typeface="Times New Roman"/>
+              <a:rPr kumimoji="0" lang="en-US" altLang="en-US" sz="2200" b="0" i="0" u="none" strike="noStrike" cap="none" normalizeH="0" baseline="0" dirty="0">
+                <a:ln>
+                  <a:noFill/>
+                </a:ln>
+                <a:solidFill>
+                  <a:schemeClr val="tx1"/>
+                </a:solidFill>
+                <a:effectLst/>
+                <a:latin typeface="Times New Roman" panose="02020603050405020304" pitchFamily="18" charset="0"/>
+                <a:cs typeface="Times New Roman" panose="02020603050405020304" pitchFamily="18" charset="0"/>
               </a:rPr>
-              <a:t>Scalable and adaptable to various cloud architectures.</a:t>
+              <a:t>Compliant with industry standards for data integrity and security. </a:t>
             </a:r>
+            <a:endParaRPr kumimoji="0" lang="en-US" altLang="en-US" sz="2200" b="1" i="0" u="none" strike="noStrike" cap="none" normalizeH="0" baseline="0" dirty="0">
+              <a:ln>
+                <a:noFill/>
+              </a:ln>
+              <a:solidFill>
+                <a:schemeClr val="tx1"/>
+              </a:solidFill>
+              <a:effectLst/>
+              <a:latin typeface="Times New Roman" panose="02020603050405020304" pitchFamily="18" charset="0"/>
+              <a:cs typeface="Times New Roman" panose="02020603050405020304" pitchFamily="18" charset="0"/>
+            </a:endParaRPr>
           </a:p>
           <a:p>
-            <a:pPr marL="901700" lvl="1" algn="just">
-              <a:lnSpc>
-                <a:spcPct val="100000"/>
-              </a:lnSpc>
-              <a:spcBef>
-                <a:spcPts val="0"/>
-              </a:spcBef>
-              <a:spcAft>
-                <a:spcPts val="600"/>
-              </a:spcAft>
-              <a:buSzPts val="2000"/>
+            <a:pPr marL="0" indent="0" algn="just" eaLnBrk="0" fontAlgn="base" hangingPunct="0">
+              <a:lnSpc>
+                <a:spcPct val="150000"/>
+              </a:lnSpc>
+              <a:spcBef>
+                <a:spcPct val="0"/>
+              </a:spcBef>
+              <a:spcAft>
+                <a:spcPct val="0"/>
+              </a:spcAft>
+              <a:buClrTx/>
+              <a:buSzTx/>
+              <a:buNone/>
             </a:pPr>
             <a:r>
-              <a:rPr lang="en-US" sz="2200" dirty="0">
-                <a:latin typeface="Times New Roman"/>
-                <a:ea typeface="Times New Roman"/>
-                <a:cs typeface="Times New Roman"/>
-                <a:sym typeface="Times New Roman"/>
-              </a:rPr>
-              <a:t>Compliant with industry standards for data integrity and security.</a:t>
-            </a:r>
-          </a:p>
-          <a:p>
-            <a:pPr marL="101600" indent="0" algn="just">
-              <a:lnSpc>
-                <a:spcPct val="100000"/>
-              </a:lnSpc>
-              <a:spcBef>
-                <a:spcPts val="0"/>
-              </a:spcBef>
-              <a:spcAft>
-                <a:spcPts val="600"/>
-              </a:spcAft>
-              <a:buSzPts val="2000"/>
-              <a:buNone/>
-            </a:pPr>
-            <a:r>
-              <a:rPr lang="en-US" sz="2200" b="1" dirty="0">
-                <a:latin typeface="Times New Roman"/>
-                <a:ea typeface="Times New Roman"/>
-                <a:cs typeface="Times New Roman"/>
-                <a:sym typeface="Times New Roman"/>
+              <a:rPr kumimoji="0" lang="en-US" altLang="en-US" sz="2200" b="1" i="0" u="none" strike="noStrike" cap="none" normalizeH="0" baseline="0" dirty="0">
+                <a:ln>
+                  <a:noFill/>
+                </a:ln>
+                <a:solidFill>
+                  <a:schemeClr val="tx1"/>
+                </a:solidFill>
+                <a:effectLst/>
+                <a:latin typeface="Times New Roman" panose="02020603050405020304" pitchFamily="18" charset="0"/>
+                <a:cs typeface="Times New Roman" panose="02020603050405020304" pitchFamily="18" charset="0"/>
               </a:rPr>
               <a:t>Impact:</a:t>
             </a:r>
           </a:p>
           <a:p>
-            <a:pPr marL="901700" lvl="1" algn="just">
-              <a:lnSpc>
-                <a:spcPct val="100000"/>
-              </a:lnSpc>
-              <a:spcBef>
-                <a:spcPts val="0"/>
-              </a:spcBef>
-              <a:spcAft>
-                <a:spcPts val="600"/>
-              </a:spcAft>
-              <a:buSzPts val="2000"/>
+            <a:pPr marL="800100" lvl="1" algn="just" eaLnBrk="0" fontAlgn="base" hangingPunct="0">
+              <a:lnSpc>
+                <a:spcPct val="150000"/>
+              </a:lnSpc>
+              <a:spcBef>
+                <a:spcPct val="0"/>
+              </a:spcBef>
+              <a:spcAft>
+                <a:spcPct val="0"/>
+              </a:spcAft>
+              <a:buClrTx/>
+              <a:buSzTx/>
             </a:pPr>
             <a:r>
-              <a:rPr lang="en-US" sz="2200" dirty="0">
-                <a:latin typeface="Times New Roman"/>
-                <a:ea typeface="Times New Roman"/>
-                <a:cs typeface="Times New Roman"/>
-                <a:sym typeface="Times New Roman"/>
+              <a:rPr kumimoji="0" lang="en-US" altLang="en-US" sz="2200" b="0" i="0" u="none" strike="noStrike" cap="none" normalizeH="0" baseline="0" dirty="0">
+                <a:ln>
+                  <a:noFill/>
+                </a:ln>
+                <a:solidFill>
+                  <a:schemeClr val="tx1"/>
+                </a:solidFill>
+                <a:effectLst/>
+                <a:latin typeface="Times New Roman" panose="02020603050405020304" pitchFamily="18" charset="0"/>
+                <a:cs typeface="Times New Roman" panose="02020603050405020304" pitchFamily="18" charset="0"/>
               </a:rPr>
-              <a:t>Handles high traffic volumes (many Mbps) while maintaining optimal cloud resource utilization.</a:t>
+              <a:t>Efficiently handles high traffic volumes while optimizing cloud resource utilization. </a:t>
             </a:r>
           </a:p>
           <a:p>
-            <a:pPr marL="901700" lvl="1" algn="just">
-              <a:lnSpc>
-                <a:spcPct val="100000"/>
-              </a:lnSpc>
-              <a:spcBef>
-                <a:spcPts val="0"/>
-              </a:spcBef>
-              <a:spcAft>
-                <a:spcPts val="600"/>
-              </a:spcAft>
-              <a:buSzPts val="2000"/>
+            <a:pPr marL="800100" lvl="1" algn="just" eaLnBrk="0" fontAlgn="base" hangingPunct="0">
+              <a:lnSpc>
+                <a:spcPct val="150000"/>
+              </a:lnSpc>
+              <a:spcBef>
+                <a:spcPct val="0"/>
+              </a:spcBef>
+              <a:spcAft>
+                <a:spcPct val="0"/>
+              </a:spcAft>
+              <a:buClrTx/>
+              <a:buSzTx/>
             </a:pPr>
             <a:r>
-              <a:rPr lang="en-US" sz="2200" dirty="0">
-                <a:latin typeface="Times New Roman"/>
-                <a:ea typeface="Times New Roman"/>
-                <a:cs typeface="Times New Roman"/>
-                <a:sym typeface="Times New Roman"/>
+              <a:rPr kumimoji="0" lang="en-US" altLang="en-US" sz="2200" b="0" i="0" u="none" strike="noStrike" cap="none" normalizeH="0" baseline="0" dirty="0">
+                <a:ln>
+                  <a:noFill/>
+                </a:ln>
+                <a:solidFill>
+                  <a:schemeClr val="tx1"/>
+                </a:solidFill>
+                <a:effectLst/>
+                <a:latin typeface="Times New Roman" panose="02020603050405020304" pitchFamily="18" charset="0"/>
+                <a:cs typeface="Times New Roman" panose="02020603050405020304" pitchFamily="18" charset="0"/>
               </a:rPr>
-              <a:t>Ensures uninterrupted user experience with no service degradation or increased latency.</a:t>
+              <a:t>Ensures uninterrupted user experience with no service degradation or latency. </a:t>
             </a:r>
           </a:p>
           <a:p>
-            <a:pPr marL="901700" lvl="1" algn="just">
-              <a:lnSpc>
-                <a:spcPct val="100000"/>
-              </a:lnSpc>
-              <a:spcBef>
-                <a:spcPts val="0"/>
-              </a:spcBef>
-              <a:spcAft>
-                <a:spcPts val="600"/>
-              </a:spcAft>
-              <a:buSzPts val="2000"/>
+            <a:pPr marL="800100" lvl="1" algn="just" eaLnBrk="0" fontAlgn="base" hangingPunct="0">
+              <a:lnSpc>
+                <a:spcPct val="150000"/>
+              </a:lnSpc>
+              <a:spcBef>
+                <a:spcPct val="0"/>
+              </a:spcBef>
+              <a:spcAft>
+                <a:spcPct val="0"/>
+              </a:spcAft>
+              <a:buClrTx/>
+              <a:buSzTx/>
             </a:pPr>
             <a:r>
-              <a:rPr lang="en-US" sz="2200">
-                <a:latin typeface="Times New Roman"/>
-                <a:ea typeface="Times New Roman"/>
-                <a:cs typeface="Times New Roman"/>
-                <a:sym typeface="Times New Roman"/>
+              <a:rPr kumimoji="0" lang="en-US" altLang="en-US" sz="2200" b="0" i="0" u="none" strike="noStrike" cap="none" normalizeH="0" baseline="0" dirty="0">
+                <a:ln>
+                  <a:noFill/>
+                </a:ln>
+                <a:solidFill>
+                  <a:schemeClr val="tx1"/>
+                </a:solidFill>
+                <a:effectLst/>
+                <a:latin typeface="Times New Roman" panose="02020603050405020304" pitchFamily="18" charset="0"/>
+                <a:cs typeface="Times New Roman" panose="02020603050405020304" pitchFamily="18" charset="0"/>
               </a:rPr>
-              <a:t>Adapts over time, improving detection and response by learning emerging attack patterns.</a:t>
+              <a:t>Learns and adapts over time to counter emerging attack patterns. </a:t>
             </a:r>
-            <a:endParaRPr lang="en-US" sz="2200" dirty="0">
-              <a:latin typeface="Times New Roman"/>
-              <a:ea typeface="Times New Roman"/>
-              <a:cs typeface="Times New Roman"/>
-              <a:sym typeface="Times New Roman"/>
-            </a:endParaRPr>
           </a:p>
         </p:txBody>
       </p:sp>
@@ -17018,6 +17162,1569 @@
 </file>
 
 <file path=ppt/slides/slide4.xml><?xml version="1.0" encoding="utf-8"?>
+<p:sld xmlns:a="http://schemas.openxmlformats.org/drawingml/2006/main" xmlns:r="http://schemas.openxmlformats.org/officeDocument/2006/relationships" xmlns:p="http://schemas.openxmlformats.org/presentationml/2006/main">
+  <p:cSld>
+    <p:spTree>
+      <p:nvGrpSpPr>
+        <p:cNvPr id="1" name=""/>
+        <p:cNvGrpSpPr/>
+        <p:nvPr/>
+      </p:nvGrpSpPr>
+      <p:grpSpPr>
+        <a:xfrm>
+          <a:off x="0" y="0"/>
+          <a:ext cx="0" cy="0"/>
+          <a:chOff x="0" y="0"/>
+          <a:chExt cx="0" cy="0"/>
+        </a:xfrm>
+      </p:grpSpPr>
+      <p:sp>
+        <p:nvSpPr>
+          <p:cNvPr id="2" name="Title 1">
+            <a:extLst>
+              <a:ext uri="{FF2B5EF4-FFF2-40B4-BE49-F238E27FC236}">
+                <a16:creationId xmlns:a16="http://schemas.microsoft.com/office/drawing/2014/main" id="{9326E97A-A842-91B0-A8E5-935B2A32DD21}"/>
+              </a:ext>
+            </a:extLst>
+          </p:cNvPr>
+          <p:cNvSpPr>
+            <a:spLocks noGrp="1"/>
+          </p:cNvSpPr>
+          <p:nvPr>
+            <p:ph type="title"/>
+          </p:nvPr>
+        </p:nvSpPr>
+        <p:spPr>
+          <a:xfrm>
+            <a:off x="3467100" y="161926"/>
+            <a:ext cx="5257800" cy="723446"/>
+          </a:xfrm>
+        </p:spPr>
+        <p:txBody>
+          <a:bodyPr/>
+          <a:lstStyle/>
+          <a:p>
+            <a:pPr algn="ctr"/>
+            <a:r>
+              <a:rPr lang="en-IN" dirty="0">
+                <a:latin typeface="Times New Roman" panose="02020603050405020304" pitchFamily="18" charset="0"/>
+                <a:cs typeface="Times New Roman" panose="02020603050405020304" pitchFamily="18" charset="0"/>
+              </a:rPr>
+              <a:t>Literature Survey</a:t>
+            </a:r>
+          </a:p>
+        </p:txBody>
+      </p:sp>
+      <p:graphicFrame>
+        <p:nvGraphicFramePr>
+          <p:cNvPr id="5" name="Table 4">
+            <a:extLst>
+              <a:ext uri="{FF2B5EF4-FFF2-40B4-BE49-F238E27FC236}">
+                <a16:creationId xmlns:a16="http://schemas.microsoft.com/office/drawing/2014/main" id="{367CD12B-C799-9124-E1C4-8D3F8A3A6019}"/>
+              </a:ext>
+            </a:extLst>
+          </p:cNvPr>
+          <p:cNvGraphicFramePr>
+            <a:graphicFrameLocks noGrp="1"/>
+          </p:cNvGraphicFramePr>
+          <p:nvPr>
+            <p:extLst>
+              <p:ext uri="{D42A27DB-BD31-4B8C-83A1-F6EECF244321}">
+                <p14:modId xmlns:p14="http://schemas.microsoft.com/office/powerpoint/2010/main" val="3222997610"/>
+              </p:ext>
+            </p:extLst>
+          </p:nvPr>
+        </p:nvGraphicFramePr>
+        <p:xfrm>
+          <a:off x="483740" y="936227"/>
+          <a:ext cx="11423827" cy="5369560"/>
+        </p:xfrm>
+        <a:graphic>
+          <a:graphicData uri="http://schemas.openxmlformats.org/drawingml/2006/table">
+            <a:tbl>
+              <a:tblPr firstRow="1" bandRow="1">
+                <a:tableStyleId>{2D5ABB26-0587-4C30-8999-92F81FD0307C}</a:tableStyleId>
+              </a:tblPr>
+              <a:tblGrid>
+                <a:gridCol w="814053">
+                  <a:extLst>
+                    <a:ext uri="{9D8B030D-6E8A-4147-A177-3AD203B41FA5}">
+                      <a16:colId xmlns:a16="http://schemas.microsoft.com/office/drawing/2014/main" val="486690604"/>
+                    </a:ext>
+                  </a:extLst>
+                </a:gridCol>
+                <a:gridCol w="3281453">
+                  <a:extLst>
+                    <a:ext uri="{9D8B030D-6E8A-4147-A177-3AD203B41FA5}">
+                      <a16:colId xmlns:a16="http://schemas.microsoft.com/office/drawing/2014/main" val="1697449012"/>
+                    </a:ext>
+                  </a:extLst>
+                </a:gridCol>
+                <a:gridCol w="1582349">
+                  <a:extLst>
+                    <a:ext uri="{9D8B030D-6E8A-4147-A177-3AD203B41FA5}">
+                      <a16:colId xmlns:a16="http://schemas.microsoft.com/office/drawing/2014/main" val="2756577600"/>
+                    </a:ext>
+                  </a:extLst>
+                </a:gridCol>
+                <a:gridCol w="1793404">
+                  <a:extLst>
+                    <a:ext uri="{9D8B030D-6E8A-4147-A177-3AD203B41FA5}">
+                      <a16:colId xmlns:a16="http://schemas.microsoft.com/office/drawing/2014/main" val="3619216701"/>
+                    </a:ext>
+                  </a:extLst>
+                </a:gridCol>
+                <a:gridCol w="3952568">
+                  <a:extLst>
+                    <a:ext uri="{9D8B030D-6E8A-4147-A177-3AD203B41FA5}">
+                      <a16:colId xmlns:a16="http://schemas.microsoft.com/office/drawing/2014/main" val="3232244950"/>
+                    </a:ext>
+                  </a:extLst>
+                </a:gridCol>
+              </a:tblGrid>
+              <a:tr h="370840">
+                <a:tc>
+                  <a:txBody>
+                    <a:bodyPr/>
+                    <a:lstStyle/>
+                    <a:p>
+                      <a:pPr algn="just"/>
+                      <a:r>
+                        <a:rPr lang="en-IN" sz="1600" dirty="0">
+                          <a:latin typeface="Times New Roman" panose="02020603050405020304" pitchFamily="18" charset="0"/>
+                          <a:cs typeface="Times New Roman" panose="02020603050405020304" pitchFamily="18" charset="0"/>
+                        </a:rPr>
+                        <a:t>Sr. No.</a:t>
+                      </a:r>
+                    </a:p>
+                  </a:txBody>
+                  <a:tcPr anchor="ctr">
+                    <a:lnL w="12700" cap="flat" cmpd="sng" algn="ctr">
+                      <a:solidFill>
+                        <a:schemeClr val="tx1"/>
+                      </a:solidFill>
+                      <a:prstDash val="solid"/>
+                      <a:round/>
+                      <a:headEnd type="none" w="med" len="med"/>
+                      <a:tailEnd type="none" w="med" len="med"/>
+                    </a:lnL>
+                    <a:lnR w="12700" cap="flat" cmpd="sng" algn="ctr">
+                      <a:solidFill>
+                        <a:schemeClr val="tx1"/>
+                      </a:solidFill>
+                      <a:prstDash val="solid"/>
+                      <a:round/>
+                      <a:headEnd type="none" w="med" len="med"/>
+                      <a:tailEnd type="none" w="med" len="med"/>
+                    </a:lnR>
+                    <a:lnT w="12700" cap="flat" cmpd="sng" algn="ctr">
+                      <a:solidFill>
+                        <a:schemeClr val="tx1"/>
+                      </a:solidFill>
+                      <a:prstDash val="solid"/>
+                      <a:round/>
+                      <a:headEnd type="none" w="med" len="med"/>
+                      <a:tailEnd type="none" w="med" len="med"/>
+                    </a:lnT>
+                    <a:lnB w="12700" cap="flat" cmpd="sng" algn="ctr">
+                      <a:solidFill>
+                        <a:schemeClr val="tx1"/>
+                      </a:solidFill>
+                      <a:prstDash val="solid"/>
+                      <a:round/>
+                      <a:headEnd type="none" w="med" len="med"/>
+                      <a:tailEnd type="none" w="med" len="med"/>
+                    </a:lnB>
+                  </a:tcPr>
+                </a:tc>
+                <a:tc>
+                  <a:txBody>
+                    <a:bodyPr/>
+                    <a:lstStyle/>
+                    <a:p>
+                      <a:pPr algn="just"/>
+                      <a:r>
+                        <a:rPr lang="en-IN" sz="1600" dirty="0">
+                          <a:latin typeface="Times New Roman" panose="02020603050405020304" pitchFamily="18" charset="0"/>
+                          <a:cs typeface="Times New Roman" panose="02020603050405020304" pitchFamily="18" charset="0"/>
+                        </a:rPr>
+                        <a:t>Paper Name</a:t>
+                      </a:r>
+                    </a:p>
+                  </a:txBody>
+                  <a:tcPr anchor="ctr">
+                    <a:lnL w="12700" cap="flat" cmpd="sng" algn="ctr">
+                      <a:solidFill>
+                        <a:schemeClr val="tx1"/>
+                      </a:solidFill>
+                      <a:prstDash val="solid"/>
+                      <a:round/>
+                      <a:headEnd type="none" w="med" len="med"/>
+                      <a:tailEnd type="none" w="med" len="med"/>
+                    </a:lnL>
+                    <a:lnR w="12700" cap="flat" cmpd="sng" algn="ctr">
+                      <a:solidFill>
+                        <a:schemeClr val="tx1"/>
+                      </a:solidFill>
+                      <a:prstDash val="solid"/>
+                      <a:round/>
+                      <a:headEnd type="none" w="med" len="med"/>
+                      <a:tailEnd type="none" w="med" len="med"/>
+                    </a:lnR>
+                    <a:lnT w="12700" cap="flat" cmpd="sng" algn="ctr">
+                      <a:solidFill>
+                        <a:schemeClr val="tx1"/>
+                      </a:solidFill>
+                      <a:prstDash val="solid"/>
+                      <a:round/>
+                      <a:headEnd type="none" w="med" len="med"/>
+                      <a:tailEnd type="none" w="med" len="med"/>
+                    </a:lnT>
+                    <a:lnB w="12700" cap="flat" cmpd="sng" algn="ctr">
+                      <a:solidFill>
+                        <a:schemeClr val="tx1"/>
+                      </a:solidFill>
+                      <a:prstDash val="solid"/>
+                      <a:round/>
+                      <a:headEnd type="none" w="med" len="med"/>
+                      <a:tailEnd type="none" w="med" len="med"/>
+                    </a:lnB>
+                  </a:tcPr>
+                </a:tc>
+                <a:tc>
+                  <a:txBody>
+                    <a:bodyPr/>
+                    <a:lstStyle/>
+                    <a:p>
+                      <a:pPr algn="just"/>
+                      <a:r>
+                        <a:rPr lang="en-IN" sz="1600" dirty="0">
+                          <a:latin typeface="Times New Roman" panose="02020603050405020304" pitchFamily="18" charset="0"/>
+                          <a:cs typeface="Times New Roman" panose="02020603050405020304" pitchFamily="18" charset="0"/>
+                        </a:rPr>
+                        <a:t>Publication Year</a:t>
+                      </a:r>
+                    </a:p>
+                  </a:txBody>
+                  <a:tcPr anchor="ctr">
+                    <a:lnL w="12700" cap="flat" cmpd="sng" algn="ctr">
+                      <a:solidFill>
+                        <a:schemeClr val="tx1"/>
+                      </a:solidFill>
+                      <a:prstDash val="solid"/>
+                      <a:round/>
+                      <a:headEnd type="none" w="med" len="med"/>
+                      <a:tailEnd type="none" w="med" len="med"/>
+                    </a:lnL>
+                    <a:lnR w="12700" cap="flat" cmpd="sng" algn="ctr">
+                      <a:solidFill>
+                        <a:schemeClr val="tx1"/>
+                      </a:solidFill>
+                      <a:prstDash val="solid"/>
+                      <a:round/>
+                      <a:headEnd type="none" w="med" len="med"/>
+                      <a:tailEnd type="none" w="med" len="med"/>
+                    </a:lnR>
+                    <a:lnT w="12700" cap="flat" cmpd="sng" algn="ctr">
+                      <a:solidFill>
+                        <a:schemeClr val="tx1"/>
+                      </a:solidFill>
+                      <a:prstDash val="solid"/>
+                      <a:round/>
+                      <a:headEnd type="none" w="med" len="med"/>
+                      <a:tailEnd type="none" w="med" len="med"/>
+                    </a:lnT>
+                    <a:lnB w="12700" cap="flat" cmpd="sng" algn="ctr">
+                      <a:solidFill>
+                        <a:schemeClr val="tx1"/>
+                      </a:solidFill>
+                      <a:prstDash val="solid"/>
+                      <a:round/>
+                      <a:headEnd type="none" w="med" len="med"/>
+                      <a:tailEnd type="none" w="med" len="med"/>
+                    </a:lnB>
+                  </a:tcPr>
+                </a:tc>
+                <a:tc>
+                  <a:txBody>
+                    <a:bodyPr/>
+                    <a:lstStyle/>
+                    <a:p>
+                      <a:pPr algn="just"/>
+                      <a:r>
+                        <a:rPr lang="en-IN" sz="1600" dirty="0">
+                          <a:latin typeface="Times New Roman" panose="02020603050405020304" pitchFamily="18" charset="0"/>
+                          <a:cs typeface="Times New Roman" panose="02020603050405020304" pitchFamily="18" charset="0"/>
+                        </a:rPr>
+                        <a:t>Journal Name</a:t>
+                      </a:r>
+                    </a:p>
+                  </a:txBody>
+                  <a:tcPr anchor="ctr">
+                    <a:lnL w="12700" cap="flat" cmpd="sng" algn="ctr">
+                      <a:solidFill>
+                        <a:schemeClr val="tx1"/>
+                      </a:solidFill>
+                      <a:prstDash val="solid"/>
+                      <a:round/>
+                      <a:headEnd type="none" w="med" len="med"/>
+                      <a:tailEnd type="none" w="med" len="med"/>
+                    </a:lnL>
+                    <a:lnR w="12700" cap="flat" cmpd="sng" algn="ctr">
+                      <a:solidFill>
+                        <a:schemeClr val="tx1"/>
+                      </a:solidFill>
+                      <a:prstDash val="solid"/>
+                      <a:round/>
+                      <a:headEnd type="none" w="med" len="med"/>
+                      <a:tailEnd type="none" w="med" len="med"/>
+                    </a:lnR>
+                    <a:lnT w="12700" cap="flat" cmpd="sng" algn="ctr">
+                      <a:solidFill>
+                        <a:schemeClr val="tx1"/>
+                      </a:solidFill>
+                      <a:prstDash val="solid"/>
+                      <a:round/>
+                      <a:headEnd type="none" w="med" len="med"/>
+                      <a:tailEnd type="none" w="med" len="med"/>
+                    </a:lnT>
+                    <a:lnB w="12700" cap="flat" cmpd="sng" algn="ctr">
+                      <a:solidFill>
+                        <a:schemeClr val="tx1"/>
+                      </a:solidFill>
+                      <a:prstDash val="solid"/>
+                      <a:round/>
+                      <a:headEnd type="none" w="med" len="med"/>
+                      <a:tailEnd type="none" w="med" len="med"/>
+                    </a:lnB>
+                  </a:tcPr>
+                </a:tc>
+                <a:tc>
+                  <a:txBody>
+                    <a:bodyPr/>
+                    <a:lstStyle/>
+                    <a:p>
+                      <a:pPr algn="just"/>
+                      <a:r>
+                        <a:rPr lang="en-IN" sz="1600" dirty="0">
+                          <a:latin typeface="Times New Roman" panose="02020603050405020304" pitchFamily="18" charset="0"/>
+                          <a:cs typeface="Times New Roman" panose="02020603050405020304" pitchFamily="18" charset="0"/>
+                        </a:rPr>
+                        <a:t>Methodology</a:t>
+                      </a:r>
+                    </a:p>
+                  </a:txBody>
+                  <a:tcPr anchor="ctr">
+                    <a:lnL w="12700" cap="flat" cmpd="sng" algn="ctr">
+                      <a:solidFill>
+                        <a:schemeClr val="tx1"/>
+                      </a:solidFill>
+                      <a:prstDash val="solid"/>
+                      <a:round/>
+                      <a:headEnd type="none" w="med" len="med"/>
+                      <a:tailEnd type="none" w="med" len="med"/>
+                    </a:lnL>
+                    <a:lnR w="12700" cap="flat" cmpd="sng" algn="ctr">
+                      <a:solidFill>
+                        <a:schemeClr val="tx1"/>
+                      </a:solidFill>
+                      <a:prstDash val="solid"/>
+                      <a:round/>
+                      <a:headEnd type="none" w="med" len="med"/>
+                      <a:tailEnd type="none" w="med" len="med"/>
+                    </a:lnR>
+                    <a:lnT w="12700" cap="flat" cmpd="sng" algn="ctr">
+                      <a:solidFill>
+                        <a:schemeClr val="tx1"/>
+                      </a:solidFill>
+                      <a:prstDash val="solid"/>
+                      <a:round/>
+                      <a:headEnd type="none" w="med" len="med"/>
+                      <a:tailEnd type="none" w="med" len="med"/>
+                    </a:lnT>
+                    <a:lnB w="12700" cap="flat" cmpd="sng" algn="ctr">
+                      <a:solidFill>
+                        <a:schemeClr val="tx1"/>
+                      </a:solidFill>
+                      <a:prstDash val="solid"/>
+                      <a:round/>
+                      <a:headEnd type="none" w="med" len="med"/>
+                      <a:tailEnd type="none" w="med" len="med"/>
+                    </a:lnB>
+                  </a:tcPr>
+                </a:tc>
+                <a:extLst>
+                  <a:ext uri="{0D108BD9-81ED-4DB2-BD59-A6C34878D82A}">
+                    <a16:rowId xmlns:a16="http://schemas.microsoft.com/office/drawing/2014/main" val="1682168200"/>
+                  </a:ext>
+                </a:extLst>
+              </a:tr>
+              <a:tr h="370840">
+                <a:tc>
+                  <a:txBody>
+                    <a:bodyPr/>
+                    <a:lstStyle/>
+                    <a:p>
+                      <a:pPr algn="just"/>
+                      <a:r>
+                        <a:rPr lang="en-IN" sz="1600" dirty="0">
+                          <a:latin typeface="Times New Roman" panose="02020603050405020304" pitchFamily="18" charset="0"/>
+                          <a:cs typeface="Times New Roman" panose="02020603050405020304" pitchFamily="18" charset="0"/>
+                        </a:rPr>
+                        <a:t>1</a:t>
+                      </a:r>
+                    </a:p>
+                  </a:txBody>
+                  <a:tcPr anchor="ctr">
+                    <a:lnL w="12700" cap="flat" cmpd="sng" algn="ctr">
+                      <a:solidFill>
+                        <a:schemeClr val="tx1"/>
+                      </a:solidFill>
+                      <a:prstDash val="solid"/>
+                      <a:round/>
+                      <a:headEnd type="none" w="med" len="med"/>
+                      <a:tailEnd type="none" w="med" len="med"/>
+                    </a:lnL>
+                    <a:lnR w="12700" cap="flat" cmpd="sng" algn="ctr">
+                      <a:solidFill>
+                        <a:schemeClr val="tx1"/>
+                      </a:solidFill>
+                      <a:prstDash val="solid"/>
+                      <a:round/>
+                      <a:headEnd type="none" w="med" len="med"/>
+                      <a:tailEnd type="none" w="med" len="med"/>
+                    </a:lnR>
+                    <a:lnT w="12700" cap="flat" cmpd="sng" algn="ctr">
+                      <a:solidFill>
+                        <a:schemeClr val="tx1"/>
+                      </a:solidFill>
+                      <a:prstDash val="solid"/>
+                      <a:round/>
+                      <a:headEnd type="none" w="med" len="med"/>
+                      <a:tailEnd type="none" w="med" len="med"/>
+                    </a:lnT>
+                    <a:lnB w="12700" cap="flat" cmpd="sng" algn="ctr">
+                      <a:solidFill>
+                        <a:schemeClr val="tx1"/>
+                      </a:solidFill>
+                      <a:prstDash val="solid"/>
+                      <a:round/>
+                      <a:headEnd type="none" w="med" len="med"/>
+                      <a:tailEnd type="none" w="med" len="med"/>
+                    </a:lnB>
+                  </a:tcPr>
+                </a:tc>
+                <a:tc>
+                  <a:txBody>
+                    <a:bodyPr/>
+                    <a:lstStyle/>
+                    <a:p>
+                      <a:pPr algn="just"/>
+                      <a:r>
+                        <a:rPr lang="en-US" sz="1600" dirty="0">
+                          <a:latin typeface="Times New Roman" panose="02020603050405020304" pitchFamily="18" charset="0"/>
+                          <a:cs typeface="Times New Roman" panose="02020603050405020304" pitchFamily="18" charset="0"/>
+                        </a:rPr>
+                        <a:t>Detection of DDoS Attacks in Cloud Computing Environments Using Machine Learning Techniques</a:t>
+                      </a:r>
+                      <a:endParaRPr lang="en-IN" sz="1600" dirty="0">
+                        <a:latin typeface="Times New Roman" panose="02020603050405020304" pitchFamily="18" charset="0"/>
+                        <a:cs typeface="Times New Roman" panose="02020603050405020304" pitchFamily="18" charset="0"/>
+                      </a:endParaRPr>
+                    </a:p>
+                  </a:txBody>
+                  <a:tcPr anchor="ctr">
+                    <a:lnL w="12700" cap="flat" cmpd="sng" algn="ctr">
+                      <a:solidFill>
+                        <a:schemeClr val="tx1"/>
+                      </a:solidFill>
+                      <a:prstDash val="solid"/>
+                      <a:round/>
+                      <a:headEnd type="none" w="med" len="med"/>
+                      <a:tailEnd type="none" w="med" len="med"/>
+                    </a:lnL>
+                    <a:lnR w="12700" cap="flat" cmpd="sng" algn="ctr">
+                      <a:solidFill>
+                        <a:schemeClr val="tx1"/>
+                      </a:solidFill>
+                      <a:prstDash val="solid"/>
+                      <a:round/>
+                      <a:headEnd type="none" w="med" len="med"/>
+                      <a:tailEnd type="none" w="med" len="med"/>
+                    </a:lnR>
+                    <a:lnT w="12700" cap="flat" cmpd="sng" algn="ctr">
+                      <a:solidFill>
+                        <a:schemeClr val="tx1"/>
+                      </a:solidFill>
+                      <a:prstDash val="solid"/>
+                      <a:round/>
+                      <a:headEnd type="none" w="med" len="med"/>
+                      <a:tailEnd type="none" w="med" len="med"/>
+                    </a:lnT>
+                    <a:lnB w="12700" cap="flat" cmpd="sng" algn="ctr">
+                      <a:solidFill>
+                        <a:schemeClr val="tx1"/>
+                      </a:solidFill>
+                      <a:prstDash val="solid"/>
+                      <a:round/>
+                      <a:headEnd type="none" w="med" len="med"/>
+                      <a:tailEnd type="none" w="med" len="med"/>
+                    </a:lnB>
+                  </a:tcPr>
+                </a:tc>
+                <a:tc>
+                  <a:txBody>
+                    <a:bodyPr/>
+                    <a:lstStyle/>
+                    <a:p>
+                      <a:pPr algn="just"/>
+                      <a:r>
+                        <a:rPr lang="en-IN" sz="1600" dirty="0">
+                          <a:latin typeface="Times New Roman" panose="02020603050405020304" pitchFamily="18" charset="0"/>
+                          <a:cs typeface="Times New Roman" panose="02020603050405020304" pitchFamily="18" charset="0"/>
+                        </a:rPr>
+                        <a:t>2024</a:t>
+                      </a:r>
+                    </a:p>
+                  </a:txBody>
+                  <a:tcPr anchor="ctr">
+                    <a:lnL w="12700" cap="flat" cmpd="sng" algn="ctr">
+                      <a:solidFill>
+                        <a:schemeClr val="tx1"/>
+                      </a:solidFill>
+                      <a:prstDash val="solid"/>
+                      <a:round/>
+                      <a:headEnd type="none" w="med" len="med"/>
+                      <a:tailEnd type="none" w="med" len="med"/>
+                    </a:lnL>
+                    <a:lnR w="12700" cap="flat" cmpd="sng" algn="ctr">
+                      <a:solidFill>
+                        <a:schemeClr val="tx1"/>
+                      </a:solidFill>
+                      <a:prstDash val="solid"/>
+                      <a:round/>
+                      <a:headEnd type="none" w="med" len="med"/>
+                      <a:tailEnd type="none" w="med" len="med"/>
+                    </a:lnR>
+                    <a:lnT w="12700" cap="flat" cmpd="sng" algn="ctr">
+                      <a:solidFill>
+                        <a:schemeClr val="tx1"/>
+                      </a:solidFill>
+                      <a:prstDash val="solid"/>
+                      <a:round/>
+                      <a:headEnd type="none" w="med" len="med"/>
+                      <a:tailEnd type="none" w="med" len="med"/>
+                    </a:lnT>
+                    <a:lnB w="12700" cap="flat" cmpd="sng" algn="ctr">
+                      <a:solidFill>
+                        <a:schemeClr val="tx1"/>
+                      </a:solidFill>
+                      <a:prstDash val="solid"/>
+                      <a:round/>
+                      <a:headEnd type="none" w="med" len="med"/>
+                      <a:tailEnd type="none" w="med" len="med"/>
+                    </a:lnB>
+                  </a:tcPr>
+                </a:tc>
+                <a:tc>
+                  <a:txBody>
+                    <a:bodyPr/>
+                    <a:lstStyle/>
+                    <a:p>
+                      <a:pPr algn="just"/>
+                      <a:r>
+                        <a:rPr lang="en-IN" sz="1600" dirty="0">
+                          <a:latin typeface="Times New Roman" panose="02020603050405020304" pitchFamily="18" charset="0"/>
+                          <a:cs typeface="Times New Roman" panose="02020603050405020304" pitchFamily="18" charset="0"/>
+                        </a:rPr>
+                        <a:t>IEEE Communications Surveys &amp; Tutorials</a:t>
+                      </a:r>
+                    </a:p>
+                  </a:txBody>
+                  <a:tcPr anchor="ctr">
+                    <a:lnL w="12700" cap="flat" cmpd="sng" algn="ctr">
+                      <a:solidFill>
+                        <a:schemeClr val="tx1"/>
+                      </a:solidFill>
+                      <a:prstDash val="solid"/>
+                      <a:round/>
+                      <a:headEnd type="none" w="med" len="med"/>
+                      <a:tailEnd type="none" w="med" len="med"/>
+                    </a:lnL>
+                    <a:lnR w="12700" cap="flat" cmpd="sng" algn="ctr">
+                      <a:solidFill>
+                        <a:schemeClr val="tx1"/>
+                      </a:solidFill>
+                      <a:prstDash val="solid"/>
+                      <a:round/>
+                      <a:headEnd type="none" w="med" len="med"/>
+                      <a:tailEnd type="none" w="med" len="med"/>
+                    </a:lnR>
+                    <a:lnT w="12700" cap="flat" cmpd="sng" algn="ctr">
+                      <a:solidFill>
+                        <a:schemeClr val="tx1"/>
+                      </a:solidFill>
+                      <a:prstDash val="solid"/>
+                      <a:round/>
+                      <a:headEnd type="none" w="med" len="med"/>
+                      <a:tailEnd type="none" w="med" len="med"/>
+                    </a:lnT>
+                    <a:lnB w="12700" cap="flat" cmpd="sng" algn="ctr">
+                      <a:solidFill>
+                        <a:schemeClr val="tx1"/>
+                      </a:solidFill>
+                      <a:prstDash val="solid"/>
+                      <a:round/>
+                      <a:headEnd type="none" w="med" len="med"/>
+                      <a:tailEnd type="none" w="med" len="med"/>
+                    </a:lnB>
+                  </a:tcPr>
+                </a:tc>
+                <a:tc>
+                  <a:txBody>
+                    <a:bodyPr/>
+                    <a:lstStyle/>
+                    <a:p>
+                      <a:pPr algn="just"/>
+                      <a:r>
+                        <a:rPr lang="en-US" sz="1600" dirty="0">
+                          <a:latin typeface="Times New Roman" panose="02020603050405020304" pitchFamily="18" charset="0"/>
+                          <a:cs typeface="Times New Roman" panose="02020603050405020304" pitchFamily="18" charset="0"/>
+                        </a:rPr>
+                        <a:t>Utilizes various machine learning algorithms to detect and classify DDoS attack patterns in real-time, with a focus on scalability and low computational costs in cloud environments.</a:t>
+                      </a:r>
+                      <a:endParaRPr lang="en-IN" sz="1600" dirty="0">
+                        <a:latin typeface="Times New Roman" panose="02020603050405020304" pitchFamily="18" charset="0"/>
+                        <a:cs typeface="Times New Roman" panose="02020603050405020304" pitchFamily="18" charset="0"/>
+                      </a:endParaRPr>
+                    </a:p>
+                  </a:txBody>
+                  <a:tcPr anchor="ctr">
+                    <a:lnL w="12700" cap="flat" cmpd="sng" algn="ctr">
+                      <a:solidFill>
+                        <a:schemeClr val="tx1"/>
+                      </a:solidFill>
+                      <a:prstDash val="solid"/>
+                      <a:round/>
+                      <a:headEnd type="none" w="med" len="med"/>
+                      <a:tailEnd type="none" w="med" len="med"/>
+                    </a:lnL>
+                    <a:lnR w="12700" cap="flat" cmpd="sng" algn="ctr">
+                      <a:solidFill>
+                        <a:schemeClr val="tx1"/>
+                      </a:solidFill>
+                      <a:prstDash val="solid"/>
+                      <a:round/>
+                      <a:headEnd type="none" w="med" len="med"/>
+                      <a:tailEnd type="none" w="med" len="med"/>
+                    </a:lnR>
+                    <a:lnT w="12700" cap="flat" cmpd="sng" algn="ctr">
+                      <a:solidFill>
+                        <a:schemeClr val="tx1"/>
+                      </a:solidFill>
+                      <a:prstDash val="solid"/>
+                      <a:round/>
+                      <a:headEnd type="none" w="med" len="med"/>
+                      <a:tailEnd type="none" w="med" len="med"/>
+                    </a:lnT>
+                    <a:lnB w="12700" cap="flat" cmpd="sng" algn="ctr">
+                      <a:solidFill>
+                        <a:schemeClr val="tx1"/>
+                      </a:solidFill>
+                      <a:prstDash val="solid"/>
+                      <a:round/>
+                      <a:headEnd type="none" w="med" len="med"/>
+                      <a:tailEnd type="none" w="med" len="med"/>
+                    </a:lnB>
+                  </a:tcPr>
+                </a:tc>
+                <a:extLst>
+                  <a:ext uri="{0D108BD9-81ED-4DB2-BD59-A6C34878D82A}">
+                    <a16:rowId xmlns:a16="http://schemas.microsoft.com/office/drawing/2014/main" val="3275782381"/>
+                  </a:ext>
+                </a:extLst>
+              </a:tr>
+              <a:tr h="202021">
+                <a:tc>
+                  <a:txBody>
+                    <a:bodyPr/>
+                    <a:lstStyle/>
+                    <a:p>
+                      <a:pPr algn="just"/>
+                      <a:r>
+                        <a:rPr lang="en-IN" sz="1600" dirty="0">
+                          <a:latin typeface="Times New Roman" panose="02020603050405020304" pitchFamily="18" charset="0"/>
+                          <a:cs typeface="Times New Roman" panose="02020603050405020304" pitchFamily="18" charset="0"/>
+                        </a:rPr>
+                        <a:t>2</a:t>
+                      </a:r>
+                    </a:p>
+                  </a:txBody>
+                  <a:tcPr anchor="ctr">
+                    <a:lnL w="12700" cap="flat" cmpd="sng" algn="ctr">
+                      <a:solidFill>
+                        <a:schemeClr val="tx1"/>
+                      </a:solidFill>
+                      <a:prstDash val="solid"/>
+                      <a:round/>
+                      <a:headEnd type="none" w="med" len="med"/>
+                      <a:tailEnd type="none" w="med" len="med"/>
+                    </a:lnL>
+                    <a:lnR w="12700" cap="flat" cmpd="sng" algn="ctr">
+                      <a:solidFill>
+                        <a:schemeClr val="tx1"/>
+                      </a:solidFill>
+                      <a:prstDash val="solid"/>
+                      <a:round/>
+                      <a:headEnd type="none" w="med" len="med"/>
+                      <a:tailEnd type="none" w="med" len="med"/>
+                    </a:lnR>
+                    <a:lnT w="12700" cap="flat" cmpd="sng" algn="ctr">
+                      <a:solidFill>
+                        <a:schemeClr val="tx1"/>
+                      </a:solidFill>
+                      <a:prstDash val="solid"/>
+                      <a:round/>
+                      <a:headEnd type="none" w="med" len="med"/>
+                      <a:tailEnd type="none" w="med" len="med"/>
+                    </a:lnT>
+                    <a:lnB w="12700" cap="flat" cmpd="sng" algn="ctr">
+                      <a:solidFill>
+                        <a:schemeClr val="tx1"/>
+                      </a:solidFill>
+                      <a:prstDash val="solid"/>
+                      <a:round/>
+                      <a:headEnd type="none" w="med" len="med"/>
+                      <a:tailEnd type="none" w="med" len="med"/>
+                    </a:lnB>
+                  </a:tcPr>
+                </a:tc>
+                <a:tc>
+                  <a:txBody>
+                    <a:bodyPr/>
+                    <a:lstStyle/>
+                    <a:p>
+                      <a:pPr algn="just"/>
+                      <a:r>
+                        <a:rPr lang="en-US" sz="1600" dirty="0">
+                          <a:latin typeface="Times New Roman" panose="02020603050405020304" pitchFamily="18" charset="0"/>
+                          <a:cs typeface="Times New Roman" panose="02020603050405020304" pitchFamily="18" charset="0"/>
+                        </a:rPr>
+                        <a:t>Machine Learning for Cloud-Based DDoS Attack Detection: A Comprehensive Algorithmic Evaluation</a:t>
+                      </a:r>
+                      <a:endParaRPr lang="en-IN" sz="1600" dirty="0">
+                        <a:latin typeface="Times New Roman" panose="02020603050405020304" pitchFamily="18" charset="0"/>
+                        <a:cs typeface="Times New Roman" panose="02020603050405020304" pitchFamily="18" charset="0"/>
+                      </a:endParaRPr>
+                    </a:p>
+                  </a:txBody>
+                  <a:tcPr anchor="ctr">
+                    <a:lnL w="12700" cap="flat" cmpd="sng" algn="ctr">
+                      <a:solidFill>
+                        <a:schemeClr val="tx1"/>
+                      </a:solidFill>
+                      <a:prstDash val="solid"/>
+                      <a:round/>
+                      <a:headEnd type="none" w="med" len="med"/>
+                      <a:tailEnd type="none" w="med" len="med"/>
+                    </a:lnL>
+                    <a:lnR w="12700" cap="flat" cmpd="sng" algn="ctr">
+                      <a:solidFill>
+                        <a:schemeClr val="tx1"/>
+                      </a:solidFill>
+                      <a:prstDash val="solid"/>
+                      <a:round/>
+                      <a:headEnd type="none" w="med" len="med"/>
+                      <a:tailEnd type="none" w="med" len="med"/>
+                    </a:lnR>
+                    <a:lnT w="12700" cap="flat" cmpd="sng" algn="ctr">
+                      <a:solidFill>
+                        <a:schemeClr val="tx1"/>
+                      </a:solidFill>
+                      <a:prstDash val="solid"/>
+                      <a:round/>
+                      <a:headEnd type="none" w="med" len="med"/>
+                      <a:tailEnd type="none" w="med" len="med"/>
+                    </a:lnT>
+                    <a:lnB w="12700" cap="flat" cmpd="sng" algn="ctr">
+                      <a:solidFill>
+                        <a:schemeClr val="tx1"/>
+                      </a:solidFill>
+                      <a:prstDash val="solid"/>
+                      <a:round/>
+                      <a:headEnd type="none" w="med" len="med"/>
+                      <a:tailEnd type="none" w="med" len="med"/>
+                    </a:lnB>
+                  </a:tcPr>
+                </a:tc>
+                <a:tc>
+                  <a:txBody>
+                    <a:bodyPr/>
+                    <a:lstStyle/>
+                    <a:p>
+                      <a:pPr algn="just"/>
+                      <a:r>
+                        <a:rPr lang="en-IN" sz="1600" dirty="0">
+                          <a:latin typeface="Times New Roman" panose="02020603050405020304" pitchFamily="18" charset="0"/>
+                          <a:cs typeface="Times New Roman" panose="02020603050405020304" pitchFamily="18" charset="0"/>
+                        </a:rPr>
+                        <a:t>2023</a:t>
+                      </a:r>
+                    </a:p>
+                  </a:txBody>
+                  <a:tcPr anchor="ctr">
+                    <a:lnL w="12700" cap="flat" cmpd="sng" algn="ctr">
+                      <a:solidFill>
+                        <a:schemeClr val="tx1"/>
+                      </a:solidFill>
+                      <a:prstDash val="solid"/>
+                      <a:round/>
+                      <a:headEnd type="none" w="med" len="med"/>
+                      <a:tailEnd type="none" w="med" len="med"/>
+                    </a:lnL>
+                    <a:lnR w="12700" cap="flat" cmpd="sng" algn="ctr">
+                      <a:solidFill>
+                        <a:schemeClr val="tx1"/>
+                      </a:solidFill>
+                      <a:prstDash val="solid"/>
+                      <a:round/>
+                      <a:headEnd type="none" w="med" len="med"/>
+                      <a:tailEnd type="none" w="med" len="med"/>
+                    </a:lnR>
+                    <a:lnT w="12700" cap="flat" cmpd="sng" algn="ctr">
+                      <a:solidFill>
+                        <a:schemeClr val="tx1"/>
+                      </a:solidFill>
+                      <a:prstDash val="solid"/>
+                      <a:round/>
+                      <a:headEnd type="none" w="med" len="med"/>
+                      <a:tailEnd type="none" w="med" len="med"/>
+                    </a:lnT>
+                    <a:lnB w="12700" cap="flat" cmpd="sng" algn="ctr">
+                      <a:solidFill>
+                        <a:schemeClr val="tx1"/>
+                      </a:solidFill>
+                      <a:prstDash val="solid"/>
+                      <a:round/>
+                      <a:headEnd type="none" w="med" len="med"/>
+                      <a:tailEnd type="none" w="med" len="med"/>
+                    </a:lnB>
+                  </a:tcPr>
+                </a:tc>
+                <a:tc>
+                  <a:txBody>
+                    <a:bodyPr/>
+                    <a:lstStyle/>
+                    <a:p>
+                      <a:pPr algn="just"/>
+                      <a:r>
+                        <a:rPr lang="en-US" sz="1600" dirty="0">
+                          <a:latin typeface="Times New Roman" panose="02020603050405020304" pitchFamily="18" charset="0"/>
+                          <a:cs typeface="Times New Roman" panose="02020603050405020304" pitchFamily="18" charset="0"/>
+                        </a:rPr>
+                        <a:t>IEEE Transactions on Emerging Topics in Computing</a:t>
+                      </a:r>
+                      <a:endParaRPr lang="en-IN" sz="1600" dirty="0">
+                        <a:latin typeface="Times New Roman" panose="02020603050405020304" pitchFamily="18" charset="0"/>
+                        <a:cs typeface="Times New Roman" panose="02020603050405020304" pitchFamily="18" charset="0"/>
+                      </a:endParaRPr>
+                    </a:p>
+                  </a:txBody>
+                  <a:tcPr anchor="ctr">
+                    <a:lnL w="12700" cap="flat" cmpd="sng" algn="ctr">
+                      <a:solidFill>
+                        <a:schemeClr val="tx1"/>
+                      </a:solidFill>
+                      <a:prstDash val="solid"/>
+                      <a:round/>
+                      <a:headEnd type="none" w="med" len="med"/>
+                      <a:tailEnd type="none" w="med" len="med"/>
+                    </a:lnL>
+                    <a:lnR w="12700" cap="flat" cmpd="sng" algn="ctr">
+                      <a:solidFill>
+                        <a:schemeClr val="tx1"/>
+                      </a:solidFill>
+                      <a:prstDash val="solid"/>
+                      <a:round/>
+                      <a:headEnd type="none" w="med" len="med"/>
+                      <a:tailEnd type="none" w="med" len="med"/>
+                    </a:lnR>
+                    <a:lnT w="12700" cap="flat" cmpd="sng" algn="ctr">
+                      <a:solidFill>
+                        <a:schemeClr val="tx1"/>
+                      </a:solidFill>
+                      <a:prstDash val="solid"/>
+                      <a:round/>
+                      <a:headEnd type="none" w="med" len="med"/>
+                      <a:tailEnd type="none" w="med" len="med"/>
+                    </a:lnT>
+                    <a:lnB w="12700" cap="flat" cmpd="sng" algn="ctr">
+                      <a:solidFill>
+                        <a:schemeClr val="tx1"/>
+                      </a:solidFill>
+                      <a:prstDash val="solid"/>
+                      <a:round/>
+                      <a:headEnd type="none" w="med" len="med"/>
+                      <a:tailEnd type="none" w="med" len="med"/>
+                    </a:lnB>
+                  </a:tcPr>
+                </a:tc>
+                <a:tc>
+                  <a:txBody>
+                    <a:bodyPr/>
+                    <a:lstStyle/>
+                    <a:p>
+                      <a:pPr algn="just"/>
+                      <a:r>
+                        <a:rPr lang="en-US" sz="1600" dirty="0">
+                          <a:latin typeface="Times New Roman" panose="02020603050405020304" pitchFamily="18" charset="0"/>
+                          <a:cs typeface="Times New Roman" panose="02020603050405020304" pitchFamily="18" charset="0"/>
+                        </a:rPr>
+                        <a:t>Compares different machine learning algorithms, such as decision trees and neural networks, for their effectiveness in detecting DDoS attacks, emphasizing accuracy, speed, and adaptability.</a:t>
+                      </a:r>
+                      <a:endParaRPr lang="en-IN" sz="1600" dirty="0">
+                        <a:latin typeface="Times New Roman" panose="02020603050405020304" pitchFamily="18" charset="0"/>
+                        <a:cs typeface="Times New Roman" panose="02020603050405020304" pitchFamily="18" charset="0"/>
+                      </a:endParaRPr>
+                    </a:p>
+                  </a:txBody>
+                  <a:tcPr anchor="ctr">
+                    <a:lnL w="12700" cap="flat" cmpd="sng" algn="ctr">
+                      <a:solidFill>
+                        <a:schemeClr val="tx1"/>
+                      </a:solidFill>
+                      <a:prstDash val="solid"/>
+                      <a:round/>
+                      <a:headEnd type="none" w="med" len="med"/>
+                      <a:tailEnd type="none" w="med" len="med"/>
+                    </a:lnL>
+                    <a:lnR w="12700" cap="flat" cmpd="sng" algn="ctr">
+                      <a:solidFill>
+                        <a:schemeClr val="tx1"/>
+                      </a:solidFill>
+                      <a:prstDash val="solid"/>
+                      <a:round/>
+                      <a:headEnd type="none" w="med" len="med"/>
+                      <a:tailEnd type="none" w="med" len="med"/>
+                    </a:lnR>
+                    <a:lnT w="12700" cap="flat" cmpd="sng" algn="ctr">
+                      <a:solidFill>
+                        <a:schemeClr val="tx1"/>
+                      </a:solidFill>
+                      <a:prstDash val="solid"/>
+                      <a:round/>
+                      <a:headEnd type="none" w="med" len="med"/>
+                      <a:tailEnd type="none" w="med" len="med"/>
+                    </a:lnT>
+                    <a:lnB w="12700" cap="flat" cmpd="sng" algn="ctr">
+                      <a:solidFill>
+                        <a:schemeClr val="tx1"/>
+                      </a:solidFill>
+                      <a:prstDash val="solid"/>
+                      <a:round/>
+                      <a:headEnd type="none" w="med" len="med"/>
+                      <a:tailEnd type="none" w="med" len="med"/>
+                    </a:lnB>
+                  </a:tcPr>
+                </a:tc>
+                <a:extLst>
+                  <a:ext uri="{0D108BD9-81ED-4DB2-BD59-A6C34878D82A}">
+                    <a16:rowId xmlns:a16="http://schemas.microsoft.com/office/drawing/2014/main" val="913743724"/>
+                  </a:ext>
+                </a:extLst>
+              </a:tr>
+              <a:tr h="370840">
+                <a:tc>
+                  <a:txBody>
+                    <a:bodyPr/>
+                    <a:lstStyle/>
+                    <a:p>
+                      <a:pPr algn="just"/>
+                      <a:r>
+                        <a:rPr lang="en-IN" sz="1600" dirty="0">
+                          <a:latin typeface="Times New Roman" panose="02020603050405020304" pitchFamily="18" charset="0"/>
+                          <a:cs typeface="Times New Roman" panose="02020603050405020304" pitchFamily="18" charset="0"/>
+                        </a:rPr>
+                        <a:t>3</a:t>
+                      </a:r>
+                    </a:p>
+                  </a:txBody>
+                  <a:tcPr anchor="ctr">
+                    <a:lnL w="12700" cap="flat" cmpd="sng" algn="ctr">
+                      <a:solidFill>
+                        <a:schemeClr val="tx1"/>
+                      </a:solidFill>
+                      <a:prstDash val="solid"/>
+                      <a:round/>
+                      <a:headEnd type="none" w="med" len="med"/>
+                      <a:tailEnd type="none" w="med" len="med"/>
+                    </a:lnL>
+                    <a:lnR w="12700" cap="flat" cmpd="sng" algn="ctr">
+                      <a:solidFill>
+                        <a:schemeClr val="tx1"/>
+                      </a:solidFill>
+                      <a:prstDash val="solid"/>
+                      <a:round/>
+                      <a:headEnd type="none" w="med" len="med"/>
+                      <a:tailEnd type="none" w="med" len="med"/>
+                    </a:lnR>
+                    <a:lnT w="12700" cap="flat" cmpd="sng" algn="ctr">
+                      <a:solidFill>
+                        <a:schemeClr val="tx1"/>
+                      </a:solidFill>
+                      <a:prstDash val="solid"/>
+                      <a:round/>
+                      <a:headEnd type="none" w="med" len="med"/>
+                      <a:tailEnd type="none" w="med" len="med"/>
+                    </a:lnT>
+                    <a:lnB w="12700" cap="flat" cmpd="sng" algn="ctr">
+                      <a:solidFill>
+                        <a:schemeClr val="tx1"/>
+                      </a:solidFill>
+                      <a:prstDash val="solid"/>
+                      <a:round/>
+                      <a:headEnd type="none" w="med" len="med"/>
+                      <a:tailEnd type="none" w="med" len="med"/>
+                    </a:lnB>
+                  </a:tcPr>
+                </a:tc>
+                <a:tc>
+                  <a:txBody>
+                    <a:bodyPr/>
+                    <a:lstStyle/>
+                    <a:p>
+                      <a:pPr algn="just"/>
+                      <a:r>
+                        <a:rPr lang="en-US" sz="1600" dirty="0">
+                          <a:latin typeface="Times New Roman" panose="02020603050405020304" pitchFamily="18" charset="0"/>
+                          <a:cs typeface="Times New Roman" panose="02020603050405020304" pitchFamily="18" charset="0"/>
+                        </a:rPr>
+                        <a:t>A Comprehensive Survey on Detection and Mitigation of DDoS Attacks Enabled With Deep Learning Techniques in Cloud Computing</a:t>
+                      </a:r>
+                      <a:endParaRPr lang="en-IN" sz="1600" dirty="0">
+                        <a:latin typeface="Times New Roman" panose="02020603050405020304" pitchFamily="18" charset="0"/>
+                        <a:cs typeface="Times New Roman" panose="02020603050405020304" pitchFamily="18" charset="0"/>
+                      </a:endParaRPr>
+                    </a:p>
+                  </a:txBody>
+                  <a:tcPr anchor="ctr">
+                    <a:lnL w="12700" cap="flat" cmpd="sng" algn="ctr">
+                      <a:solidFill>
+                        <a:schemeClr val="tx1"/>
+                      </a:solidFill>
+                      <a:prstDash val="solid"/>
+                      <a:round/>
+                      <a:headEnd type="none" w="med" len="med"/>
+                      <a:tailEnd type="none" w="med" len="med"/>
+                    </a:lnL>
+                    <a:lnR w="12700" cap="flat" cmpd="sng" algn="ctr">
+                      <a:solidFill>
+                        <a:schemeClr val="tx1"/>
+                      </a:solidFill>
+                      <a:prstDash val="solid"/>
+                      <a:round/>
+                      <a:headEnd type="none" w="med" len="med"/>
+                      <a:tailEnd type="none" w="med" len="med"/>
+                    </a:lnR>
+                    <a:lnT w="12700" cap="flat" cmpd="sng" algn="ctr">
+                      <a:solidFill>
+                        <a:schemeClr val="tx1"/>
+                      </a:solidFill>
+                      <a:prstDash val="solid"/>
+                      <a:round/>
+                      <a:headEnd type="none" w="med" len="med"/>
+                      <a:tailEnd type="none" w="med" len="med"/>
+                    </a:lnT>
+                    <a:lnB w="12700" cap="flat" cmpd="sng" algn="ctr">
+                      <a:solidFill>
+                        <a:schemeClr val="tx1"/>
+                      </a:solidFill>
+                      <a:prstDash val="solid"/>
+                      <a:round/>
+                      <a:headEnd type="none" w="med" len="med"/>
+                      <a:tailEnd type="none" w="med" len="med"/>
+                    </a:lnB>
+                  </a:tcPr>
+                </a:tc>
+                <a:tc>
+                  <a:txBody>
+                    <a:bodyPr/>
+                    <a:lstStyle/>
+                    <a:p>
+                      <a:pPr algn="just"/>
+                      <a:r>
+                        <a:rPr lang="en-IN" sz="1600" dirty="0">
+                          <a:latin typeface="Times New Roman" panose="02020603050405020304" pitchFamily="18" charset="0"/>
+                          <a:cs typeface="Times New Roman" panose="02020603050405020304" pitchFamily="18" charset="0"/>
+                        </a:rPr>
+                        <a:t>2024</a:t>
+                      </a:r>
+                    </a:p>
+                  </a:txBody>
+                  <a:tcPr anchor="ctr">
+                    <a:lnL w="12700" cap="flat" cmpd="sng" algn="ctr">
+                      <a:solidFill>
+                        <a:schemeClr val="tx1"/>
+                      </a:solidFill>
+                      <a:prstDash val="solid"/>
+                      <a:round/>
+                      <a:headEnd type="none" w="med" len="med"/>
+                      <a:tailEnd type="none" w="med" len="med"/>
+                    </a:lnL>
+                    <a:lnR w="12700" cap="flat" cmpd="sng" algn="ctr">
+                      <a:solidFill>
+                        <a:schemeClr val="tx1"/>
+                      </a:solidFill>
+                      <a:prstDash val="solid"/>
+                      <a:round/>
+                      <a:headEnd type="none" w="med" len="med"/>
+                      <a:tailEnd type="none" w="med" len="med"/>
+                    </a:lnR>
+                    <a:lnT w="12700" cap="flat" cmpd="sng" algn="ctr">
+                      <a:solidFill>
+                        <a:schemeClr val="tx1"/>
+                      </a:solidFill>
+                      <a:prstDash val="solid"/>
+                      <a:round/>
+                      <a:headEnd type="none" w="med" len="med"/>
+                      <a:tailEnd type="none" w="med" len="med"/>
+                    </a:lnT>
+                    <a:lnB w="12700" cap="flat" cmpd="sng" algn="ctr">
+                      <a:solidFill>
+                        <a:schemeClr val="tx1"/>
+                      </a:solidFill>
+                      <a:prstDash val="solid"/>
+                      <a:round/>
+                      <a:headEnd type="none" w="med" len="med"/>
+                      <a:tailEnd type="none" w="med" len="med"/>
+                    </a:lnB>
+                  </a:tcPr>
+                </a:tc>
+                <a:tc>
+                  <a:txBody>
+                    <a:bodyPr/>
+                    <a:lstStyle/>
+                    <a:p>
+                      <a:pPr algn="just"/>
+                      <a:r>
+                        <a:rPr lang="en-IN" sz="1600" dirty="0">
+                          <a:latin typeface="Times New Roman" panose="02020603050405020304" pitchFamily="18" charset="0"/>
+                          <a:cs typeface="Times New Roman" panose="02020603050405020304" pitchFamily="18" charset="0"/>
+                        </a:rPr>
+                        <a:t>IEEE Access</a:t>
+                      </a:r>
+                    </a:p>
+                  </a:txBody>
+                  <a:tcPr anchor="ctr">
+                    <a:lnL w="12700" cap="flat" cmpd="sng" algn="ctr">
+                      <a:solidFill>
+                        <a:schemeClr val="tx1"/>
+                      </a:solidFill>
+                      <a:prstDash val="solid"/>
+                      <a:round/>
+                      <a:headEnd type="none" w="med" len="med"/>
+                      <a:tailEnd type="none" w="med" len="med"/>
+                    </a:lnL>
+                    <a:lnR w="12700" cap="flat" cmpd="sng" algn="ctr">
+                      <a:solidFill>
+                        <a:schemeClr val="tx1"/>
+                      </a:solidFill>
+                      <a:prstDash val="solid"/>
+                      <a:round/>
+                      <a:headEnd type="none" w="med" len="med"/>
+                      <a:tailEnd type="none" w="med" len="med"/>
+                    </a:lnR>
+                    <a:lnT w="12700" cap="flat" cmpd="sng" algn="ctr">
+                      <a:solidFill>
+                        <a:schemeClr val="tx1"/>
+                      </a:solidFill>
+                      <a:prstDash val="solid"/>
+                      <a:round/>
+                      <a:headEnd type="none" w="med" len="med"/>
+                      <a:tailEnd type="none" w="med" len="med"/>
+                    </a:lnT>
+                    <a:lnB w="12700" cap="flat" cmpd="sng" algn="ctr">
+                      <a:solidFill>
+                        <a:schemeClr val="tx1"/>
+                      </a:solidFill>
+                      <a:prstDash val="solid"/>
+                      <a:round/>
+                      <a:headEnd type="none" w="med" len="med"/>
+                      <a:tailEnd type="none" w="med" len="med"/>
+                    </a:lnB>
+                  </a:tcPr>
+                </a:tc>
+                <a:tc>
+                  <a:txBody>
+                    <a:bodyPr/>
+                    <a:lstStyle/>
+                    <a:p>
+                      <a:pPr algn="just"/>
+                      <a:r>
+                        <a:rPr lang="en-US" sz="1600" dirty="0">
+                          <a:latin typeface="Times New Roman" panose="02020603050405020304" pitchFamily="18" charset="0"/>
+                          <a:cs typeface="Times New Roman" panose="02020603050405020304" pitchFamily="18" charset="0"/>
+                        </a:rPr>
+                        <a:t>Reviews deep learning techniques like CNNs and RNNs for detecting DDoS attacks, highlighting advanced feature extraction and mitigation approaches to strengthen cloud security.</a:t>
+                      </a:r>
+                      <a:endParaRPr lang="en-IN" sz="1600" dirty="0">
+                        <a:latin typeface="Times New Roman" panose="02020603050405020304" pitchFamily="18" charset="0"/>
+                        <a:cs typeface="Times New Roman" panose="02020603050405020304" pitchFamily="18" charset="0"/>
+                      </a:endParaRPr>
+                    </a:p>
+                  </a:txBody>
+                  <a:tcPr anchor="ctr">
+                    <a:lnL w="12700" cap="flat" cmpd="sng" algn="ctr">
+                      <a:solidFill>
+                        <a:schemeClr val="tx1"/>
+                      </a:solidFill>
+                      <a:prstDash val="solid"/>
+                      <a:round/>
+                      <a:headEnd type="none" w="med" len="med"/>
+                      <a:tailEnd type="none" w="med" len="med"/>
+                    </a:lnL>
+                    <a:lnR w="12700" cap="flat" cmpd="sng" algn="ctr">
+                      <a:solidFill>
+                        <a:schemeClr val="tx1"/>
+                      </a:solidFill>
+                      <a:prstDash val="solid"/>
+                      <a:round/>
+                      <a:headEnd type="none" w="med" len="med"/>
+                      <a:tailEnd type="none" w="med" len="med"/>
+                    </a:lnR>
+                    <a:lnT w="12700" cap="flat" cmpd="sng" algn="ctr">
+                      <a:solidFill>
+                        <a:schemeClr val="tx1"/>
+                      </a:solidFill>
+                      <a:prstDash val="solid"/>
+                      <a:round/>
+                      <a:headEnd type="none" w="med" len="med"/>
+                      <a:tailEnd type="none" w="med" len="med"/>
+                    </a:lnT>
+                    <a:lnB w="12700" cap="flat" cmpd="sng" algn="ctr">
+                      <a:solidFill>
+                        <a:schemeClr val="tx1"/>
+                      </a:solidFill>
+                      <a:prstDash val="solid"/>
+                      <a:round/>
+                      <a:headEnd type="none" w="med" len="med"/>
+                      <a:tailEnd type="none" w="med" len="med"/>
+                    </a:lnB>
+                  </a:tcPr>
+                </a:tc>
+                <a:extLst>
+                  <a:ext uri="{0D108BD9-81ED-4DB2-BD59-A6C34878D82A}">
+                    <a16:rowId xmlns:a16="http://schemas.microsoft.com/office/drawing/2014/main" val="3321046934"/>
+                  </a:ext>
+                </a:extLst>
+              </a:tr>
+              <a:tr h="370840">
+                <a:tc>
+                  <a:txBody>
+                    <a:bodyPr/>
+                    <a:lstStyle/>
+                    <a:p>
+                      <a:pPr algn="just"/>
+                      <a:r>
+                        <a:rPr lang="en-IN" sz="1600" dirty="0">
+                          <a:latin typeface="Times New Roman" panose="02020603050405020304" pitchFamily="18" charset="0"/>
+                          <a:cs typeface="Times New Roman" panose="02020603050405020304" pitchFamily="18" charset="0"/>
+                        </a:rPr>
+                        <a:t>4</a:t>
+                      </a:r>
+                    </a:p>
+                  </a:txBody>
+                  <a:tcPr anchor="ctr">
+                    <a:lnL w="12700" cap="flat" cmpd="sng" algn="ctr">
+                      <a:solidFill>
+                        <a:schemeClr val="tx1"/>
+                      </a:solidFill>
+                      <a:prstDash val="solid"/>
+                      <a:round/>
+                      <a:headEnd type="none" w="med" len="med"/>
+                      <a:tailEnd type="none" w="med" len="med"/>
+                    </a:lnL>
+                    <a:lnR w="12700" cap="flat" cmpd="sng" algn="ctr">
+                      <a:solidFill>
+                        <a:schemeClr val="tx1"/>
+                      </a:solidFill>
+                      <a:prstDash val="solid"/>
+                      <a:round/>
+                      <a:headEnd type="none" w="med" len="med"/>
+                      <a:tailEnd type="none" w="med" len="med"/>
+                    </a:lnR>
+                    <a:lnT w="12700" cap="flat" cmpd="sng" algn="ctr">
+                      <a:solidFill>
+                        <a:schemeClr val="tx1"/>
+                      </a:solidFill>
+                      <a:prstDash val="solid"/>
+                      <a:round/>
+                      <a:headEnd type="none" w="med" len="med"/>
+                      <a:tailEnd type="none" w="med" len="med"/>
+                    </a:lnT>
+                    <a:lnB w="12700" cap="flat" cmpd="sng" algn="ctr">
+                      <a:solidFill>
+                        <a:schemeClr val="tx1"/>
+                      </a:solidFill>
+                      <a:prstDash val="solid"/>
+                      <a:round/>
+                      <a:headEnd type="none" w="med" len="med"/>
+                      <a:tailEnd type="none" w="med" len="med"/>
+                    </a:lnB>
+                  </a:tcPr>
+                </a:tc>
+                <a:tc>
+                  <a:txBody>
+                    <a:bodyPr/>
+                    <a:lstStyle/>
+                    <a:p>
+                      <a:pPr algn="just"/>
+                      <a:r>
+                        <a:rPr lang="en-US" sz="1600" dirty="0">
+                          <a:latin typeface="Times New Roman" panose="02020603050405020304" pitchFamily="18" charset="0"/>
+                          <a:cs typeface="Times New Roman" panose="02020603050405020304" pitchFamily="18" charset="0"/>
+                        </a:rPr>
+                        <a:t>Mitigating DDoS Attacks in Cloud Computing Environments: Challenges and Strategies</a:t>
+                      </a:r>
+                      <a:endParaRPr lang="en-IN" sz="1600" dirty="0">
+                        <a:latin typeface="Times New Roman" panose="02020603050405020304" pitchFamily="18" charset="0"/>
+                        <a:cs typeface="Times New Roman" panose="02020603050405020304" pitchFamily="18" charset="0"/>
+                      </a:endParaRPr>
+                    </a:p>
+                  </a:txBody>
+                  <a:tcPr anchor="ctr">
+                    <a:lnL w="12700" cap="flat" cmpd="sng" algn="ctr">
+                      <a:solidFill>
+                        <a:schemeClr val="tx1"/>
+                      </a:solidFill>
+                      <a:prstDash val="solid"/>
+                      <a:round/>
+                      <a:headEnd type="none" w="med" len="med"/>
+                      <a:tailEnd type="none" w="med" len="med"/>
+                    </a:lnL>
+                    <a:lnR w="12700" cap="flat" cmpd="sng" algn="ctr">
+                      <a:solidFill>
+                        <a:schemeClr val="tx1"/>
+                      </a:solidFill>
+                      <a:prstDash val="solid"/>
+                      <a:round/>
+                      <a:headEnd type="none" w="med" len="med"/>
+                      <a:tailEnd type="none" w="med" len="med"/>
+                    </a:lnR>
+                    <a:lnT w="12700" cap="flat" cmpd="sng" algn="ctr">
+                      <a:solidFill>
+                        <a:schemeClr val="tx1"/>
+                      </a:solidFill>
+                      <a:prstDash val="solid"/>
+                      <a:round/>
+                      <a:headEnd type="none" w="med" len="med"/>
+                      <a:tailEnd type="none" w="med" len="med"/>
+                    </a:lnT>
+                    <a:lnB w="12700" cap="flat" cmpd="sng" algn="ctr">
+                      <a:solidFill>
+                        <a:schemeClr val="tx1"/>
+                      </a:solidFill>
+                      <a:prstDash val="solid"/>
+                      <a:round/>
+                      <a:headEnd type="none" w="med" len="med"/>
+                      <a:tailEnd type="none" w="med" len="med"/>
+                    </a:lnB>
+                  </a:tcPr>
+                </a:tc>
+                <a:tc>
+                  <a:txBody>
+                    <a:bodyPr/>
+                    <a:lstStyle/>
+                    <a:p>
+                      <a:pPr algn="just"/>
+                      <a:r>
+                        <a:rPr lang="en-IN" sz="1600" dirty="0">
+                          <a:latin typeface="Times New Roman" panose="02020603050405020304" pitchFamily="18" charset="0"/>
+                          <a:cs typeface="Times New Roman" panose="02020603050405020304" pitchFamily="18" charset="0"/>
+                        </a:rPr>
+                        <a:t>2023</a:t>
+                      </a:r>
+                    </a:p>
+                  </a:txBody>
+                  <a:tcPr anchor="ctr">
+                    <a:lnL w="12700" cap="flat" cmpd="sng" algn="ctr">
+                      <a:solidFill>
+                        <a:schemeClr val="tx1"/>
+                      </a:solidFill>
+                      <a:prstDash val="solid"/>
+                      <a:round/>
+                      <a:headEnd type="none" w="med" len="med"/>
+                      <a:tailEnd type="none" w="med" len="med"/>
+                    </a:lnL>
+                    <a:lnR w="12700" cap="flat" cmpd="sng" algn="ctr">
+                      <a:solidFill>
+                        <a:schemeClr val="tx1"/>
+                      </a:solidFill>
+                      <a:prstDash val="solid"/>
+                      <a:round/>
+                      <a:headEnd type="none" w="med" len="med"/>
+                      <a:tailEnd type="none" w="med" len="med"/>
+                    </a:lnR>
+                    <a:lnT w="12700" cap="flat" cmpd="sng" algn="ctr">
+                      <a:solidFill>
+                        <a:schemeClr val="tx1"/>
+                      </a:solidFill>
+                      <a:prstDash val="solid"/>
+                      <a:round/>
+                      <a:headEnd type="none" w="med" len="med"/>
+                      <a:tailEnd type="none" w="med" len="med"/>
+                    </a:lnT>
+                    <a:lnB w="12700" cap="flat" cmpd="sng" algn="ctr">
+                      <a:solidFill>
+                        <a:schemeClr val="tx1"/>
+                      </a:solidFill>
+                      <a:prstDash val="solid"/>
+                      <a:round/>
+                      <a:headEnd type="none" w="med" len="med"/>
+                      <a:tailEnd type="none" w="med" len="med"/>
+                    </a:lnB>
+                  </a:tcPr>
+                </a:tc>
+                <a:tc>
+                  <a:txBody>
+                    <a:bodyPr/>
+                    <a:lstStyle/>
+                    <a:p>
+                      <a:pPr algn="just"/>
+                      <a:r>
+                        <a:rPr lang="en-US" sz="1600" dirty="0">
+                          <a:latin typeface="Times New Roman" panose="02020603050405020304" pitchFamily="18" charset="0"/>
+                          <a:cs typeface="Times New Roman" panose="02020603050405020304" pitchFamily="18" charset="0"/>
+                        </a:rPr>
+                        <a:t>IEEE Conference on Cloud Computing</a:t>
+                      </a:r>
+                      <a:endParaRPr lang="en-IN" sz="1600" dirty="0">
+                        <a:latin typeface="Times New Roman" panose="02020603050405020304" pitchFamily="18" charset="0"/>
+                        <a:cs typeface="Times New Roman" panose="02020603050405020304" pitchFamily="18" charset="0"/>
+                      </a:endParaRPr>
+                    </a:p>
+                  </a:txBody>
+                  <a:tcPr anchor="ctr">
+                    <a:lnL w="12700" cap="flat" cmpd="sng" algn="ctr">
+                      <a:solidFill>
+                        <a:schemeClr val="tx1"/>
+                      </a:solidFill>
+                      <a:prstDash val="solid"/>
+                      <a:round/>
+                      <a:headEnd type="none" w="med" len="med"/>
+                      <a:tailEnd type="none" w="med" len="med"/>
+                    </a:lnL>
+                    <a:lnR w="12700" cap="flat" cmpd="sng" algn="ctr">
+                      <a:solidFill>
+                        <a:schemeClr val="tx1"/>
+                      </a:solidFill>
+                      <a:prstDash val="solid"/>
+                      <a:round/>
+                      <a:headEnd type="none" w="med" len="med"/>
+                      <a:tailEnd type="none" w="med" len="med"/>
+                    </a:lnR>
+                    <a:lnT w="12700" cap="flat" cmpd="sng" algn="ctr">
+                      <a:solidFill>
+                        <a:schemeClr val="tx1"/>
+                      </a:solidFill>
+                      <a:prstDash val="solid"/>
+                      <a:round/>
+                      <a:headEnd type="none" w="med" len="med"/>
+                      <a:tailEnd type="none" w="med" len="med"/>
+                    </a:lnT>
+                    <a:lnB w="12700" cap="flat" cmpd="sng" algn="ctr">
+                      <a:solidFill>
+                        <a:schemeClr val="tx1"/>
+                      </a:solidFill>
+                      <a:prstDash val="solid"/>
+                      <a:round/>
+                      <a:headEnd type="none" w="med" len="med"/>
+                      <a:tailEnd type="none" w="med" len="med"/>
+                    </a:lnB>
+                  </a:tcPr>
+                </a:tc>
+                <a:tc>
+                  <a:txBody>
+                    <a:bodyPr/>
+                    <a:lstStyle/>
+                    <a:p>
+                      <a:pPr algn="just"/>
+                      <a:r>
+                        <a:rPr lang="en-US" sz="1600" dirty="0">
+                          <a:latin typeface="Times New Roman" panose="02020603050405020304" pitchFamily="18" charset="0"/>
+                          <a:cs typeface="Times New Roman" panose="02020603050405020304" pitchFamily="18" charset="0"/>
+                        </a:rPr>
+                        <a:t>Discusses the challenges in mitigating DDoS attacks and proposes strategies such as intelligent traffic management, filtering, and AI-driven solutions to enhance cloud resilience.</a:t>
+                      </a:r>
+                      <a:endParaRPr lang="en-IN" sz="1600" dirty="0">
+                        <a:latin typeface="Times New Roman" panose="02020603050405020304" pitchFamily="18" charset="0"/>
+                        <a:cs typeface="Times New Roman" panose="02020603050405020304" pitchFamily="18" charset="0"/>
+                      </a:endParaRPr>
+                    </a:p>
+                  </a:txBody>
+                  <a:tcPr anchor="ctr">
+                    <a:lnL w="12700" cap="flat" cmpd="sng" algn="ctr">
+                      <a:solidFill>
+                        <a:schemeClr val="tx1"/>
+                      </a:solidFill>
+                      <a:prstDash val="solid"/>
+                      <a:round/>
+                      <a:headEnd type="none" w="med" len="med"/>
+                      <a:tailEnd type="none" w="med" len="med"/>
+                    </a:lnL>
+                    <a:lnR w="12700" cap="flat" cmpd="sng" algn="ctr">
+                      <a:solidFill>
+                        <a:schemeClr val="tx1"/>
+                      </a:solidFill>
+                      <a:prstDash val="solid"/>
+                      <a:round/>
+                      <a:headEnd type="none" w="med" len="med"/>
+                      <a:tailEnd type="none" w="med" len="med"/>
+                    </a:lnR>
+                    <a:lnT w="12700" cap="flat" cmpd="sng" algn="ctr">
+                      <a:solidFill>
+                        <a:schemeClr val="tx1"/>
+                      </a:solidFill>
+                      <a:prstDash val="solid"/>
+                      <a:round/>
+                      <a:headEnd type="none" w="med" len="med"/>
+                      <a:tailEnd type="none" w="med" len="med"/>
+                    </a:lnT>
+                    <a:lnB w="12700" cap="flat" cmpd="sng" algn="ctr">
+                      <a:solidFill>
+                        <a:schemeClr val="tx1"/>
+                      </a:solidFill>
+                      <a:prstDash val="solid"/>
+                      <a:round/>
+                      <a:headEnd type="none" w="med" len="med"/>
+                      <a:tailEnd type="none" w="med" len="med"/>
+                    </a:lnB>
+                  </a:tcPr>
+                </a:tc>
+                <a:extLst>
+                  <a:ext uri="{0D108BD9-81ED-4DB2-BD59-A6C34878D82A}">
+                    <a16:rowId xmlns:a16="http://schemas.microsoft.com/office/drawing/2014/main" val="2189700395"/>
+                  </a:ext>
+                </a:extLst>
+              </a:tr>
+            </a:tbl>
+          </a:graphicData>
+        </a:graphic>
+      </p:graphicFrame>
+    </p:spTree>
+    <p:extLst>
+      <p:ext uri="{BB962C8B-B14F-4D97-AF65-F5344CB8AC3E}">
+        <p14:creationId xmlns:p14="http://schemas.microsoft.com/office/powerpoint/2010/main" val="986994961"/>
+      </p:ext>
+    </p:extLst>
+  </p:cSld>
+  <p:clrMapOvr>
+    <a:masterClrMapping/>
+  </p:clrMapOvr>
+</p:sld>
+</file>
+
+<file path=ppt/slides/slide5.xml><?xml version="1.0" encoding="utf-8"?>
 <p:sld xmlns:a="http://schemas.openxmlformats.org/drawingml/2006/main" xmlns:r="http://schemas.openxmlformats.org/officeDocument/2006/relationships" xmlns:p="http://schemas.openxmlformats.org/presentationml/2006/main">
   <p:cSld>
     <p:spTree>
@@ -17147,7 +18854,7 @@
 </p:sld>
 </file>
 
-<file path=ppt/slides/slide5.xml><?xml version="1.0" encoding="utf-8"?>
+<file path=ppt/slides/slide6.xml><?xml version="1.0" encoding="utf-8"?>
 <p:sld xmlns:a="http://schemas.openxmlformats.org/drawingml/2006/main" xmlns:r="http://schemas.openxmlformats.org/officeDocument/2006/relationships" xmlns:p="http://schemas.openxmlformats.org/presentationml/2006/main">
   <p:cSld>
     <p:spTree>
@@ -17430,7 +19137,7 @@
 </p:sld>
 </file>
 
-<file path=ppt/slides/slide6.xml><?xml version="1.0" encoding="utf-8"?>
+<file path=ppt/slides/slide7.xml><?xml version="1.0" encoding="utf-8"?>
 <p:sld xmlns:a="http://schemas.openxmlformats.org/drawingml/2006/main" xmlns:r="http://schemas.openxmlformats.org/officeDocument/2006/relationships" xmlns:p="http://schemas.openxmlformats.org/presentationml/2006/main">
   <p:cSld>
     <p:spTree>
@@ -17713,7 +19420,7 @@
 </p:sld>
 </file>
 
-<file path=ppt/slides/slide7.xml><?xml version="1.0" encoding="utf-8"?>
+<file path=ppt/slides/slide8.xml><?xml version="1.0" encoding="utf-8"?>
 <p:sld xmlns:a="http://schemas.openxmlformats.org/drawingml/2006/main" xmlns:r="http://schemas.openxmlformats.org/officeDocument/2006/relationships" xmlns:p="http://schemas.openxmlformats.org/presentationml/2006/main">
   <p:cSld>
     <p:spTree>
@@ -18029,6 +19736,78 @@
         </p:txBody>
       </p:sp>
     </p:spTree>
+  </p:cSld>
+  <p:clrMapOvr>
+    <a:masterClrMapping/>
+  </p:clrMapOvr>
+</p:sld>
+</file>
+
+<file path=ppt/slides/slide9.xml><?xml version="1.0" encoding="utf-8"?>
+<p:sld xmlns:a="http://schemas.openxmlformats.org/drawingml/2006/main" xmlns:r="http://schemas.openxmlformats.org/officeDocument/2006/relationships" xmlns:p="http://schemas.openxmlformats.org/presentationml/2006/main">
+  <p:cSld>
+    <p:spTree>
+      <p:nvGrpSpPr>
+        <p:cNvPr id="1" name=""/>
+        <p:cNvGrpSpPr/>
+        <p:nvPr/>
+      </p:nvGrpSpPr>
+      <p:grpSpPr>
+        <a:xfrm>
+          <a:off x="0" y="0"/>
+          <a:ext cx="0" cy="0"/>
+          <a:chOff x="0" y="0"/>
+          <a:chExt cx="0" cy="0"/>
+        </a:xfrm>
+      </p:grpSpPr>
+      <p:sp>
+        <p:nvSpPr>
+          <p:cNvPr id="2" name="TextBox 1">
+            <a:extLst>
+              <a:ext uri="{FF2B5EF4-FFF2-40B4-BE49-F238E27FC236}">
+                <a16:creationId xmlns:a16="http://schemas.microsoft.com/office/drawing/2014/main" id="{E2D4B4F6-1219-CA50-4660-B96C9FC28DA5}"/>
+              </a:ext>
+            </a:extLst>
+          </p:cNvPr>
+          <p:cNvSpPr txBox="1"/>
+          <p:nvPr/>
+        </p:nvSpPr>
+        <p:spPr>
+          <a:xfrm>
+            <a:off x="4595598" y="2983598"/>
+            <a:ext cx="2790395" cy="787564"/>
+          </a:xfrm>
+          <a:prstGeom prst="rect">
+            <a:avLst/>
+          </a:prstGeom>
+          <a:noFill/>
+        </p:spPr>
+        <p:txBody>
+          <a:bodyPr wrap="square" rtlCol="0">
+            <a:spAutoFit/>
+          </a:bodyPr>
+          <a:lstStyle/>
+          <a:p>
+            <a:r>
+              <a:rPr lang="en-US" sz="4400" dirty="0">
+                <a:latin typeface="Times New Roman" panose="02020603050405020304" pitchFamily="18" charset="0"/>
+                <a:cs typeface="Times New Roman" panose="02020603050405020304" pitchFamily="18" charset="0"/>
+              </a:rPr>
+              <a:t>Thank You</a:t>
+            </a:r>
+            <a:endParaRPr lang="en-IN" sz="4400" dirty="0">
+              <a:latin typeface="Times New Roman" panose="02020603050405020304" pitchFamily="18" charset="0"/>
+              <a:cs typeface="Times New Roman" panose="02020603050405020304" pitchFamily="18" charset="0"/>
+            </a:endParaRPr>
+          </a:p>
+        </p:txBody>
+      </p:sp>
+    </p:spTree>
+    <p:extLst>
+      <p:ext uri="{BB962C8B-B14F-4D97-AF65-F5344CB8AC3E}">
+        <p14:creationId xmlns:p14="http://schemas.microsoft.com/office/powerpoint/2010/main" val="1015340422"/>
+      </p:ext>
+    </p:extLst>
   </p:cSld>
   <p:clrMapOvr>
     <a:masterClrMapping/>
